--- a/dossier-conception/charte-graphique.pptx
+++ b/dossier-conception/charte-graphique.pptx
@@ -200,7 +200,7 @@
           <a:p>
             <a:fld id="{F4E298C6-6A67-4E1B-8666-E0F083C72074}" type="datetimeFigureOut">
               <a:rPr lang="fr-FR" smtClean="0"/>
-              <a:t>08/04/2021</a:t>
+              <a:t>12/04/2021</a:t>
             </a:fld>
             <a:endParaRPr lang="fr-FR"/>
           </a:p>
@@ -698,7 +698,7 @@
           <a:p>
             <a:fld id="{04BFDF65-6B2B-4FE3-BD6E-056295CB0837}" type="datetimeFigureOut">
               <a:rPr lang="fr-FR" smtClean="0"/>
-              <a:t>08/04/2021</a:t>
+              <a:t>12/04/2021</a:t>
             </a:fld>
             <a:endParaRPr lang="fr-FR"/>
           </a:p>
@@ -896,7 +896,7 @@
           <a:p>
             <a:fld id="{04BFDF65-6B2B-4FE3-BD6E-056295CB0837}" type="datetimeFigureOut">
               <a:rPr lang="fr-FR" smtClean="0"/>
-              <a:t>08/04/2021</a:t>
+              <a:t>12/04/2021</a:t>
             </a:fld>
             <a:endParaRPr lang="fr-FR"/>
           </a:p>
@@ -1104,7 +1104,7 @@
           <a:p>
             <a:fld id="{04BFDF65-6B2B-4FE3-BD6E-056295CB0837}" type="datetimeFigureOut">
               <a:rPr lang="fr-FR" smtClean="0"/>
-              <a:t>08/04/2021</a:t>
+              <a:t>12/04/2021</a:t>
             </a:fld>
             <a:endParaRPr lang="fr-FR"/>
           </a:p>
@@ -1302,7 +1302,7 @@
           <a:p>
             <a:fld id="{04BFDF65-6B2B-4FE3-BD6E-056295CB0837}" type="datetimeFigureOut">
               <a:rPr lang="fr-FR" smtClean="0"/>
-              <a:t>08/04/2021</a:t>
+              <a:t>12/04/2021</a:t>
             </a:fld>
             <a:endParaRPr lang="fr-FR"/>
           </a:p>
@@ -1577,7 +1577,7 @@
           <a:p>
             <a:fld id="{04BFDF65-6B2B-4FE3-BD6E-056295CB0837}" type="datetimeFigureOut">
               <a:rPr lang="fr-FR" smtClean="0"/>
-              <a:t>08/04/2021</a:t>
+              <a:t>12/04/2021</a:t>
             </a:fld>
             <a:endParaRPr lang="fr-FR"/>
           </a:p>
@@ -1842,7 +1842,7 @@
           <a:p>
             <a:fld id="{04BFDF65-6B2B-4FE3-BD6E-056295CB0837}" type="datetimeFigureOut">
               <a:rPr lang="fr-FR" smtClean="0"/>
-              <a:t>08/04/2021</a:t>
+              <a:t>12/04/2021</a:t>
             </a:fld>
             <a:endParaRPr lang="fr-FR"/>
           </a:p>
@@ -2254,7 +2254,7 @@
           <a:p>
             <a:fld id="{04BFDF65-6B2B-4FE3-BD6E-056295CB0837}" type="datetimeFigureOut">
               <a:rPr lang="fr-FR" smtClean="0"/>
-              <a:t>08/04/2021</a:t>
+              <a:t>12/04/2021</a:t>
             </a:fld>
             <a:endParaRPr lang="fr-FR"/>
           </a:p>
@@ -2395,7 +2395,7 @@
           <a:p>
             <a:fld id="{04BFDF65-6B2B-4FE3-BD6E-056295CB0837}" type="datetimeFigureOut">
               <a:rPr lang="fr-FR" smtClean="0"/>
-              <a:t>08/04/2021</a:t>
+              <a:t>12/04/2021</a:t>
             </a:fld>
             <a:endParaRPr lang="fr-FR"/>
           </a:p>
@@ -2508,7 +2508,7 @@
           <a:p>
             <a:fld id="{04BFDF65-6B2B-4FE3-BD6E-056295CB0837}" type="datetimeFigureOut">
               <a:rPr lang="fr-FR" smtClean="0"/>
-              <a:t>08/04/2021</a:t>
+              <a:t>12/04/2021</a:t>
             </a:fld>
             <a:endParaRPr lang="fr-FR"/>
           </a:p>
@@ -2819,7 +2819,7 @@
           <a:p>
             <a:fld id="{04BFDF65-6B2B-4FE3-BD6E-056295CB0837}" type="datetimeFigureOut">
               <a:rPr lang="fr-FR" smtClean="0"/>
-              <a:t>08/04/2021</a:t>
+              <a:t>12/04/2021</a:t>
             </a:fld>
             <a:endParaRPr lang="fr-FR"/>
           </a:p>
@@ -3107,7 +3107,7 @@
           <a:p>
             <a:fld id="{04BFDF65-6B2B-4FE3-BD6E-056295CB0837}" type="datetimeFigureOut">
               <a:rPr lang="fr-FR" smtClean="0"/>
-              <a:t>08/04/2021</a:t>
+              <a:t>12/04/2021</a:t>
             </a:fld>
             <a:endParaRPr lang="fr-FR"/>
           </a:p>
@@ -3351,7 +3351,7 @@
           <a:p>
             <a:fld id="{04BFDF65-6B2B-4FE3-BD6E-056295CB0837}" type="datetimeFigureOut">
               <a:rPr lang="fr-FR" smtClean="0"/>
-              <a:t>08/04/2021</a:t>
+              <a:t>12/04/2021</a:t>
             </a:fld>
             <a:endParaRPr lang="fr-FR"/>
           </a:p>
@@ -3842,7 +3842,7 @@
         </p:nvSpPr>
         <p:spPr>
           <a:xfrm>
-            <a:off x="1390595" y="3474058"/>
+            <a:off x="2803221" y="2679714"/>
             <a:ext cx="2743199" cy="4428419"/>
           </a:xfrm>
         </p:spPr>
@@ -3869,8 +3869,89 @@
                 <a:latin typeface="Varela Round" panose="00000500000000000000" pitchFamily="2" charset="-79"/>
                 <a:cs typeface="Varela Round" panose="00000500000000000000" pitchFamily="2" charset="-79"/>
               </a:rPr>
-              <a:t>aAbBcCdDeEfFgGhHiIjJkKlLmMnNoOpPqQrRsStTuUvVwWxXyYzZ0123456789</a:t>
-            </a:r>
+              <a:t>Random text</a:t>
+            </a:r>
+          </a:p>
+          <a:p>
+            <a:pPr marL="0" indent="0">
+              <a:buNone/>
+            </a:pPr>
+            <a:r>
+              <a:rPr lang="fr-FR" sz="2400" dirty="0">
+                <a:latin typeface="Varela Round" panose="00000500000000000000" pitchFamily="2" charset="-79"/>
+                <a:cs typeface="Varela Round" panose="00000500000000000000" pitchFamily="2" charset="-79"/>
+              </a:rPr>
+              <a:t>Random text</a:t>
+            </a:r>
+          </a:p>
+          <a:p>
+            <a:pPr marL="0" indent="0">
+              <a:buNone/>
+            </a:pPr>
+            <a:r>
+              <a:rPr lang="fr-FR" sz="2000" dirty="0">
+                <a:latin typeface="Varela Round" panose="00000500000000000000" pitchFamily="2" charset="-79"/>
+                <a:cs typeface="Varela Round" panose="00000500000000000000" pitchFamily="2" charset="-79"/>
+              </a:rPr>
+              <a:t>Random text</a:t>
+            </a:r>
+          </a:p>
+          <a:p>
+            <a:pPr marL="0" indent="0">
+              <a:buNone/>
+            </a:pPr>
+            <a:r>
+              <a:rPr lang="fr-FR" sz="1800" dirty="0">
+                <a:latin typeface="Varela Round" panose="00000500000000000000" pitchFamily="2" charset="-79"/>
+                <a:cs typeface="Varela Round" panose="00000500000000000000" pitchFamily="2" charset="-79"/>
+              </a:rPr>
+              <a:t>Random text</a:t>
+            </a:r>
+          </a:p>
+          <a:p>
+            <a:pPr marL="0" indent="0">
+              <a:buNone/>
+            </a:pPr>
+            <a:r>
+              <a:rPr lang="fr-FR" sz="1600" dirty="0">
+                <a:latin typeface="Varela Round" panose="00000500000000000000" pitchFamily="2" charset="-79"/>
+                <a:cs typeface="Varela Round" panose="00000500000000000000" pitchFamily="2" charset="-79"/>
+              </a:rPr>
+              <a:t>Random text</a:t>
+            </a:r>
+          </a:p>
+          <a:p>
+            <a:pPr marL="0" indent="0">
+              <a:buNone/>
+            </a:pPr>
+            <a:r>
+              <a:rPr lang="fr-FR" sz="1400" dirty="0">
+                <a:latin typeface="Varela Round" panose="00000500000000000000" pitchFamily="2" charset="-79"/>
+                <a:cs typeface="Varela Round" panose="00000500000000000000" pitchFamily="2" charset="-79"/>
+              </a:rPr>
+              <a:t>Random text</a:t>
+            </a:r>
+          </a:p>
+          <a:p>
+            <a:pPr marL="0" indent="0">
+              <a:buNone/>
+            </a:pPr>
+            <a:r>
+              <a:rPr lang="fr-FR" sz="1200" dirty="0">
+                <a:latin typeface="Varela Round" panose="00000500000000000000" pitchFamily="2" charset="-79"/>
+                <a:cs typeface="Varela Round" panose="00000500000000000000" pitchFamily="2" charset="-79"/>
+              </a:rPr>
+              <a:t>Random text</a:t>
+            </a:r>
+          </a:p>
+          <a:p>
+            <a:pPr marL="0" indent="0">
+              <a:buNone/>
+            </a:pPr>
+            <a:endParaRPr lang="fr-FR" sz="1200" dirty="0">
+              <a:latin typeface="Varela Round" panose="00000500000000000000" pitchFamily="2" charset="-79"/>
+              <a:cs typeface="Varela Round" panose="00000500000000000000" pitchFamily="2" charset="-79"/>
+            </a:endParaRPr>
           </a:p>
           <a:p>
             <a:pPr marL="0" indent="0">
@@ -3954,7 +4035,7 @@
         </p:nvSpPr>
         <p:spPr>
           <a:xfrm>
-            <a:off x="1459301" y="3515091"/>
+            <a:off x="2803221" y="2715293"/>
             <a:ext cx="1675459" cy="369332"/>
           </a:xfrm>
           <a:prstGeom prst="rect">
@@ -3992,7 +4073,7 @@
         </p:nvSpPr>
         <p:spPr>
           <a:xfrm>
-            <a:off x="4688613" y="3474058"/>
+            <a:off x="9629135" y="2661736"/>
             <a:ext cx="2061783" cy="369332"/>
           </a:xfrm>
           <a:prstGeom prst="rect">
@@ -4039,7 +4120,7 @@
         </p:nvSpPr>
         <p:spPr>
           <a:xfrm>
-            <a:off x="4604057" y="3429000"/>
+            <a:off x="4915905" y="3474057"/>
             <a:ext cx="2743199" cy="4428419"/>
           </a:xfrm>
           <a:prstGeom prst="rect">
@@ -4229,19 +4310,6 @@
               <a:buFont typeface="Arial" panose="020B0604020202020204" pitchFamily="34" charset="0"/>
               <a:buNone/>
             </a:pPr>
-            <a:r>
-              <a:rPr lang="fr-FR" i="1" dirty="0">
-                <a:latin typeface="Raleway" pitchFamily="2" charset="0"/>
-                <a:cs typeface="Varela Round" panose="00000500000000000000" pitchFamily="2" charset="-79"/>
-              </a:rPr>
-              <a:t>aAbBcCdDeEfFgGhHiIjJkKlLmMnNoOpPqQrRsStTuUvVwWxXyYzZ0123456789</a:t>
-            </a:r>
-          </a:p>
-          <a:p>
-            <a:pPr marL="0" indent="0">
-              <a:buFont typeface="Arial" panose="020B0604020202020204" pitchFamily="34" charset="0"/>
-              <a:buNone/>
-            </a:pPr>
             <a:endParaRPr lang="fr-FR" dirty="0">
               <a:latin typeface="Raleway" pitchFamily="2" charset="0"/>
               <a:cs typeface="Varela Round" panose="00000500000000000000" pitchFamily="2" charset="-79"/>
@@ -4265,7 +4333,7 @@
         </p:nvSpPr>
         <p:spPr>
           <a:xfrm>
-            <a:off x="7926378" y="3474058"/>
+            <a:off x="8499793" y="3474057"/>
             <a:ext cx="2743199" cy="4428419"/>
           </a:xfrm>
           <a:prstGeom prst="rect">
@@ -4455,19 +4523,6 @@
               <a:buFont typeface="Arial" panose="020B0604020202020204" pitchFamily="34" charset="0"/>
               <a:buNone/>
             </a:pPr>
-            <a:r>
-              <a:rPr lang="fr-FR" dirty="0">
-                <a:latin typeface="Yantramanav Light" panose="02000000000000000000" pitchFamily="2" charset="0"/>
-                <a:cs typeface="Yantramanav Light" panose="02000000000000000000" pitchFamily="2" charset="0"/>
-              </a:rPr>
-              <a:t>aAbBcCdDeEfFgGhHiIjJkKlLmMnNoOpPqQrRsStTuUvVwWxXyYzZ0123456789</a:t>
-            </a:r>
-          </a:p>
-          <a:p>
-            <a:pPr marL="0" indent="0">
-              <a:buFont typeface="Arial" panose="020B0604020202020204" pitchFamily="34" charset="0"/>
-              <a:buNone/>
-            </a:pPr>
             <a:endParaRPr lang="fr-FR" dirty="0">
               <a:latin typeface="Yantramanav Light" panose="02000000000000000000" pitchFamily="2" charset="0"/>
               <a:cs typeface="Yantramanav Light" panose="02000000000000000000" pitchFamily="2" charset="0"/>
@@ -4489,8 +4544,8 @@
         </p:nvSpPr>
         <p:spPr>
           <a:xfrm>
-            <a:off x="7926378" y="3474058"/>
-            <a:ext cx="1402756" cy="369332"/>
+            <a:off x="6012435" y="2681872"/>
+            <a:ext cx="1866217" cy="369332"/>
           </a:xfrm>
           <a:prstGeom prst="rect">
             <a:avLst/>
@@ -4515,14 +4570,17 @@
               </a:rPr>
               <a:t>Yantramanav</a:t>
             </a:r>
-            <a:endParaRPr lang="fr-FR" b="0" dirty="0">
-              <a:solidFill>
-                <a:srgbClr val="202124"/>
-              </a:solidFill>
-              <a:effectLst/>
-              <a:latin typeface="Yantramanav Light" panose="02000000000000000000" pitchFamily="2" charset="0"/>
-              <a:cs typeface="Yantramanav Light" panose="02000000000000000000" pitchFamily="2" charset="0"/>
-            </a:endParaRPr>
+            <a:r>
+              <a:rPr lang="fr-FR" b="0" dirty="0">
+                <a:solidFill>
+                  <a:srgbClr val="202124"/>
+                </a:solidFill>
+                <a:effectLst/>
+                <a:latin typeface="Yantramanav Light" panose="02000000000000000000" pitchFamily="2" charset="0"/>
+                <a:cs typeface="Yantramanav Light" panose="02000000000000000000" pitchFamily="2" charset="0"/>
+              </a:rPr>
+              <a:t> light</a:t>
+            </a:r>
           </a:p>
         </p:txBody>
       </p:sp>
@@ -4540,7 +4598,7 @@
         </p:nvSpPr>
         <p:spPr>
           <a:xfrm>
-            <a:off x="1445300" y="2844225"/>
+            <a:off x="2803221" y="2008847"/>
             <a:ext cx="1104790" cy="584775"/>
           </a:xfrm>
           <a:prstGeom prst="rect">
@@ -4581,7 +4639,7 @@
         </p:nvSpPr>
         <p:spPr>
           <a:xfrm>
-            <a:off x="4604057" y="2297230"/>
+            <a:off x="5950910" y="1516405"/>
             <a:ext cx="3963756" cy="1077218"/>
           </a:xfrm>
           <a:prstGeom prst="rect">
@@ -4636,7 +4694,7 @@
         </p:nvSpPr>
         <p:spPr>
           <a:xfrm>
-            <a:off x="7875093" y="2844225"/>
+            <a:off x="9629135" y="2008848"/>
             <a:ext cx="3053533" cy="584775"/>
           </a:xfrm>
           <a:prstGeom prst="rect">
@@ -4661,6 +4719,634 @@
               </a:rPr>
               <a:t>Paragraphe</a:t>
             </a:r>
+          </a:p>
+        </p:txBody>
+      </p:sp>
+      <p:sp>
+        <p:nvSpPr>
+          <p:cNvPr id="15" name="Espace réservé du contenu 2">
+            <a:extLst>
+              <a:ext uri="{FF2B5EF4-FFF2-40B4-BE49-F238E27FC236}">
+                <a16:creationId xmlns:a16="http://schemas.microsoft.com/office/drawing/2014/main" id="{B8D0F7DB-5071-45EB-9860-431FC34D4FD1}"/>
+              </a:ext>
+            </a:extLst>
+          </p:cNvPr>
+          <p:cNvSpPr txBox="1">
+            <a:spLocks/>
+          </p:cNvSpPr>
+          <p:nvPr/>
+        </p:nvSpPr>
+        <p:spPr>
+          <a:xfrm>
+            <a:off x="6010694" y="2688179"/>
+            <a:ext cx="2743199" cy="4428419"/>
+          </a:xfrm>
+          <a:prstGeom prst="rect">
+            <a:avLst/>
+          </a:prstGeom>
+        </p:spPr>
+        <p:txBody>
+          <a:bodyPr vert="horz" lIns="91440" tIns="45720" rIns="91440" bIns="45720" rtlCol="0">
+            <a:normAutofit/>
+          </a:bodyPr>
+          <a:lstStyle>
+            <a:lvl1pPr marL="228600" indent="-228600" algn="l" defTabSz="914400" rtl="0" eaLnBrk="1" latinLnBrk="0" hangingPunct="1">
+              <a:lnSpc>
+                <a:spcPct val="90000"/>
+              </a:lnSpc>
+              <a:spcBef>
+                <a:spcPts val="1000"/>
+              </a:spcBef>
+              <a:buFont typeface="Arial" panose="020B0604020202020204" pitchFamily="34" charset="0"/>
+              <a:buChar char="•"/>
+              <a:defRPr sz="2800" kern="1200">
+                <a:solidFill>
+                  <a:schemeClr val="tx1"/>
+                </a:solidFill>
+                <a:latin typeface="+mn-lt"/>
+                <a:ea typeface="+mn-ea"/>
+                <a:cs typeface="+mn-cs"/>
+              </a:defRPr>
+            </a:lvl1pPr>
+            <a:lvl2pPr marL="685800" indent="-228600" algn="l" defTabSz="914400" rtl="0" eaLnBrk="1" latinLnBrk="0" hangingPunct="1">
+              <a:lnSpc>
+                <a:spcPct val="90000"/>
+              </a:lnSpc>
+              <a:spcBef>
+                <a:spcPts val="500"/>
+              </a:spcBef>
+              <a:buFont typeface="Arial" panose="020B0604020202020204" pitchFamily="34" charset="0"/>
+              <a:buChar char="•"/>
+              <a:defRPr sz="2400" kern="1200">
+                <a:solidFill>
+                  <a:schemeClr val="tx1"/>
+                </a:solidFill>
+                <a:latin typeface="+mn-lt"/>
+                <a:ea typeface="+mn-ea"/>
+                <a:cs typeface="+mn-cs"/>
+              </a:defRPr>
+            </a:lvl2pPr>
+            <a:lvl3pPr marL="1143000" indent="-228600" algn="l" defTabSz="914400" rtl="0" eaLnBrk="1" latinLnBrk="0" hangingPunct="1">
+              <a:lnSpc>
+                <a:spcPct val="90000"/>
+              </a:lnSpc>
+              <a:spcBef>
+                <a:spcPts val="500"/>
+              </a:spcBef>
+              <a:buFont typeface="Arial" panose="020B0604020202020204" pitchFamily="34" charset="0"/>
+              <a:buChar char="•"/>
+              <a:defRPr sz="2000" kern="1200">
+                <a:solidFill>
+                  <a:schemeClr val="tx1"/>
+                </a:solidFill>
+                <a:latin typeface="+mn-lt"/>
+                <a:ea typeface="+mn-ea"/>
+                <a:cs typeface="+mn-cs"/>
+              </a:defRPr>
+            </a:lvl3pPr>
+            <a:lvl4pPr marL="1600200" indent="-228600" algn="l" defTabSz="914400" rtl="0" eaLnBrk="1" latinLnBrk="0" hangingPunct="1">
+              <a:lnSpc>
+                <a:spcPct val="90000"/>
+              </a:lnSpc>
+              <a:spcBef>
+                <a:spcPts val="500"/>
+              </a:spcBef>
+              <a:buFont typeface="Arial" panose="020B0604020202020204" pitchFamily="34" charset="0"/>
+              <a:buChar char="•"/>
+              <a:defRPr sz="1800" kern="1200">
+                <a:solidFill>
+                  <a:schemeClr val="tx1"/>
+                </a:solidFill>
+                <a:latin typeface="+mn-lt"/>
+                <a:ea typeface="+mn-ea"/>
+                <a:cs typeface="+mn-cs"/>
+              </a:defRPr>
+            </a:lvl4pPr>
+            <a:lvl5pPr marL="2057400" indent="-228600" algn="l" defTabSz="914400" rtl="0" eaLnBrk="1" latinLnBrk="0" hangingPunct="1">
+              <a:lnSpc>
+                <a:spcPct val="90000"/>
+              </a:lnSpc>
+              <a:spcBef>
+                <a:spcPts val="500"/>
+              </a:spcBef>
+              <a:buFont typeface="Arial" panose="020B0604020202020204" pitchFamily="34" charset="0"/>
+              <a:buChar char="•"/>
+              <a:defRPr sz="1800" kern="1200">
+                <a:solidFill>
+                  <a:schemeClr val="tx1"/>
+                </a:solidFill>
+                <a:latin typeface="+mn-lt"/>
+                <a:ea typeface="+mn-ea"/>
+                <a:cs typeface="+mn-cs"/>
+              </a:defRPr>
+            </a:lvl5pPr>
+            <a:lvl6pPr marL="2514600" indent="-228600" algn="l" defTabSz="914400" rtl="0" eaLnBrk="1" latinLnBrk="0" hangingPunct="1">
+              <a:lnSpc>
+                <a:spcPct val="90000"/>
+              </a:lnSpc>
+              <a:spcBef>
+                <a:spcPts val="500"/>
+              </a:spcBef>
+              <a:buFont typeface="Arial" panose="020B0604020202020204" pitchFamily="34" charset="0"/>
+              <a:buChar char="•"/>
+              <a:defRPr sz="1800" kern="1200">
+                <a:solidFill>
+                  <a:schemeClr val="tx1"/>
+                </a:solidFill>
+                <a:latin typeface="+mn-lt"/>
+                <a:ea typeface="+mn-ea"/>
+                <a:cs typeface="+mn-cs"/>
+              </a:defRPr>
+            </a:lvl6pPr>
+            <a:lvl7pPr marL="2971800" indent="-228600" algn="l" defTabSz="914400" rtl="0" eaLnBrk="1" latinLnBrk="0" hangingPunct="1">
+              <a:lnSpc>
+                <a:spcPct val="90000"/>
+              </a:lnSpc>
+              <a:spcBef>
+                <a:spcPts val="500"/>
+              </a:spcBef>
+              <a:buFont typeface="Arial" panose="020B0604020202020204" pitchFamily="34" charset="0"/>
+              <a:buChar char="•"/>
+              <a:defRPr sz="1800" kern="1200">
+                <a:solidFill>
+                  <a:schemeClr val="tx1"/>
+                </a:solidFill>
+                <a:latin typeface="+mn-lt"/>
+                <a:ea typeface="+mn-ea"/>
+                <a:cs typeface="+mn-cs"/>
+              </a:defRPr>
+            </a:lvl7pPr>
+            <a:lvl8pPr marL="3429000" indent="-228600" algn="l" defTabSz="914400" rtl="0" eaLnBrk="1" latinLnBrk="0" hangingPunct="1">
+              <a:lnSpc>
+                <a:spcPct val="90000"/>
+              </a:lnSpc>
+              <a:spcBef>
+                <a:spcPts val="500"/>
+              </a:spcBef>
+              <a:buFont typeface="Arial" panose="020B0604020202020204" pitchFamily="34" charset="0"/>
+              <a:buChar char="•"/>
+              <a:defRPr sz="1800" kern="1200">
+                <a:solidFill>
+                  <a:schemeClr val="tx1"/>
+                </a:solidFill>
+                <a:latin typeface="+mn-lt"/>
+                <a:ea typeface="+mn-ea"/>
+                <a:cs typeface="+mn-cs"/>
+              </a:defRPr>
+            </a:lvl8pPr>
+            <a:lvl9pPr marL="3886200" indent="-228600" algn="l" defTabSz="914400" rtl="0" eaLnBrk="1" latinLnBrk="0" hangingPunct="1">
+              <a:lnSpc>
+                <a:spcPct val="90000"/>
+              </a:lnSpc>
+              <a:spcBef>
+                <a:spcPts val="500"/>
+              </a:spcBef>
+              <a:buFont typeface="Arial" panose="020B0604020202020204" pitchFamily="34" charset="0"/>
+              <a:buChar char="•"/>
+              <a:defRPr sz="1800" kern="1200">
+                <a:solidFill>
+                  <a:schemeClr val="tx1"/>
+                </a:solidFill>
+                <a:latin typeface="+mn-lt"/>
+                <a:ea typeface="+mn-ea"/>
+                <a:cs typeface="+mn-cs"/>
+              </a:defRPr>
+            </a:lvl9pPr>
+          </a:lstStyle>
+          <a:p>
+            <a:pPr marL="0" indent="0">
+              <a:buFont typeface="Arial" panose="020B0604020202020204" pitchFamily="34" charset="0"/>
+              <a:buNone/>
+            </a:pPr>
+            <a:endParaRPr lang="fr-FR" dirty="0">
+              <a:latin typeface="Varela Round" panose="00000500000000000000" pitchFamily="2" charset="-79"/>
+              <a:cs typeface="Varela Round" panose="00000500000000000000" pitchFamily="2" charset="-79"/>
+            </a:endParaRPr>
+          </a:p>
+          <a:p>
+            <a:pPr marL="0" indent="0">
+              <a:buFont typeface="Arial" panose="020B0604020202020204" pitchFamily="34" charset="0"/>
+              <a:buNone/>
+            </a:pPr>
+            <a:r>
+              <a:rPr lang="fr-FR" i="1" dirty="0">
+                <a:latin typeface="Raleway" pitchFamily="2" charset="0"/>
+                <a:cs typeface="Varela Round" panose="00000500000000000000" pitchFamily="2" charset="-79"/>
+              </a:rPr>
+              <a:t>Random text</a:t>
+            </a:r>
+          </a:p>
+          <a:p>
+            <a:pPr marL="0" indent="0">
+              <a:buFont typeface="Arial" panose="020B0604020202020204" pitchFamily="34" charset="0"/>
+              <a:buNone/>
+            </a:pPr>
+            <a:r>
+              <a:rPr lang="fr-FR" sz="2400" i="1" dirty="0">
+                <a:latin typeface="Raleway" pitchFamily="2" charset="0"/>
+                <a:cs typeface="Varela Round" panose="00000500000000000000" pitchFamily="2" charset="-79"/>
+              </a:rPr>
+              <a:t>Random text</a:t>
+            </a:r>
+          </a:p>
+          <a:p>
+            <a:pPr marL="0" indent="0">
+              <a:buFont typeface="Arial" panose="020B0604020202020204" pitchFamily="34" charset="0"/>
+              <a:buNone/>
+            </a:pPr>
+            <a:r>
+              <a:rPr lang="fr-FR" sz="2000" i="1" dirty="0">
+                <a:latin typeface="Raleway" pitchFamily="2" charset="0"/>
+                <a:cs typeface="Varela Round" panose="00000500000000000000" pitchFamily="2" charset="-79"/>
+              </a:rPr>
+              <a:t>Random text</a:t>
+            </a:r>
+          </a:p>
+          <a:p>
+            <a:pPr marL="0" indent="0">
+              <a:buFont typeface="Arial" panose="020B0604020202020204" pitchFamily="34" charset="0"/>
+              <a:buNone/>
+            </a:pPr>
+            <a:r>
+              <a:rPr lang="fr-FR" sz="1800" i="1" dirty="0">
+                <a:latin typeface="Raleway" pitchFamily="2" charset="0"/>
+                <a:cs typeface="Varela Round" panose="00000500000000000000" pitchFamily="2" charset="-79"/>
+              </a:rPr>
+              <a:t>Random text</a:t>
+            </a:r>
+          </a:p>
+          <a:p>
+            <a:pPr marL="0" indent="0">
+              <a:buFont typeface="Arial" panose="020B0604020202020204" pitchFamily="34" charset="0"/>
+              <a:buNone/>
+            </a:pPr>
+            <a:r>
+              <a:rPr lang="fr-FR" sz="1600" i="1" dirty="0">
+                <a:latin typeface="Raleway" pitchFamily="2" charset="0"/>
+                <a:cs typeface="Varela Round" panose="00000500000000000000" pitchFamily="2" charset="-79"/>
+              </a:rPr>
+              <a:t>Random text</a:t>
+            </a:r>
+          </a:p>
+          <a:p>
+            <a:pPr marL="0" indent="0">
+              <a:buFont typeface="Arial" panose="020B0604020202020204" pitchFamily="34" charset="0"/>
+              <a:buNone/>
+            </a:pPr>
+            <a:r>
+              <a:rPr lang="fr-FR" sz="1400" i="1" dirty="0">
+                <a:latin typeface="Raleway" pitchFamily="2" charset="0"/>
+                <a:cs typeface="Varela Round" panose="00000500000000000000" pitchFamily="2" charset="-79"/>
+              </a:rPr>
+              <a:t>Random text</a:t>
+            </a:r>
+          </a:p>
+          <a:p>
+            <a:pPr marL="0" indent="0">
+              <a:buFont typeface="Arial" panose="020B0604020202020204" pitchFamily="34" charset="0"/>
+              <a:buNone/>
+            </a:pPr>
+            <a:r>
+              <a:rPr lang="fr-FR" sz="1200" i="1" dirty="0">
+                <a:latin typeface="Raleway" pitchFamily="2" charset="0"/>
+                <a:cs typeface="Varela Round" panose="00000500000000000000" pitchFamily="2" charset="-79"/>
+              </a:rPr>
+              <a:t>Random text</a:t>
+            </a:r>
+          </a:p>
+          <a:p>
+            <a:pPr marL="0" indent="0">
+              <a:buFont typeface="Arial" panose="020B0604020202020204" pitchFamily="34" charset="0"/>
+              <a:buNone/>
+            </a:pPr>
+            <a:endParaRPr lang="fr-FR" sz="1200" dirty="0">
+              <a:latin typeface="Varela Round" panose="00000500000000000000" pitchFamily="2" charset="-79"/>
+              <a:cs typeface="Varela Round" panose="00000500000000000000" pitchFamily="2" charset="-79"/>
+            </a:endParaRPr>
+          </a:p>
+          <a:p>
+            <a:pPr marL="0" indent="0">
+              <a:buFont typeface="Arial" panose="020B0604020202020204" pitchFamily="34" charset="0"/>
+              <a:buNone/>
+            </a:pPr>
+            <a:endParaRPr lang="fr-FR" dirty="0">
+              <a:latin typeface="Varela Round" panose="00000500000000000000" pitchFamily="2" charset="-79"/>
+              <a:cs typeface="Varela Round" panose="00000500000000000000" pitchFamily="2" charset="-79"/>
+            </a:endParaRPr>
+          </a:p>
+        </p:txBody>
+      </p:sp>
+      <p:sp>
+        <p:nvSpPr>
+          <p:cNvPr id="16" name="Espace réservé du contenu 2">
+            <a:extLst>
+              <a:ext uri="{FF2B5EF4-FFF2-40B4-BE49-F238E27FC236}">
+                <a16:creationId xmlns:a16="http://schemas.microsoft.com/office/drawing/2014/main" id="{32C563C7-3123-4B62-88E2-523A03ED1B65}"/>
+              </a:ext>
+            </a:extLst>
+          </p:cNvPr>
+          <p:cNvSpPr txBox="1">
+            <a:spLocks/>
+          </p:cNvSpPr>
+          <p:nvPr/>
+        </p:nvSpPr>
+        <p:spPr>
+          <a:xfrm>
+            <a:off x="9629135" y="2679712"/>
+            <a:ext cx="2743199" cy="4428419"/>
+          </a:xfrm>
+          <a:prstGeom prst="rect">
+            <a:avLst/>
+          </a:prstGeom>
+        </p:spPr>
+        <p:txBody>
+          <a:bodyPr vert="horz" lIns="91440" tIns="45720" rIns="91440" bIns="45720" rtlCol="0">
+            <a:normAutofit/>
+          </a:bodyPr>
+          <a:lstStyle>
+            <a:lvl1pPr marL="228600" indent="-228600" algn="l" defTabSz="914400" rtl="0" eaLnBrk="1" latinLnBrk="0" hangingPunct="1">
+              <a:lnSpc>
+                <a:spcPct val="90000"/>
+              </a:lnSpc>
+              <a:spcBef>
+                <a:spcPts val="1000"/>
+              </a:spcBef>
+              <a:buFont typeface="Arial" panose="020B0604020202020204" pitchFamily="34" charset="0"/>
+              <a:buChar char="•"/>
+              <a:defRPr sz="2800" kern="1200">
+                <a:solidFill>
+                  <a:schemeClr val="tx1"/>
+                </a:solidFill>
+                <a:latin typeface="+mn-lt"/>
+                <a:ea typeface="+mn-ea"/>
+                <a:cs typeface="+mn-cs"/>
+              </a:defRPr>
+            </a:lvl1pPr>
+            <a:lvl2pPr marL="685800" indent="-228600" algn="l" defTabSz="914400" rtl="0" eaLnBrk="1" latinLnBrk="0" hangingPunct="1">
+              <a:lnSpc>
+                <a:spcPct val="90000"/>
+              </a:lnSpc>
+              <a:spcBef>
+                <a:spcPts val="500"/>
+              </a:spcBef>
+              <a:buFont typeface="Arial" panose="020B0604020202020204" pitchFamily="34" charset="0"/>
+              <a:buChar char="•"/>
+              <a:defRPr sz="2400" kern="1200">
+                <a:solidFill>
+                  <a:schemeClr val="tx1"/>
+                </a:solidFill>
+                <a:latin typeface="+mn-lt"/>
+                <a:ea typeface="+mn-ea"/>
+                <a:cs typeface="+mn-cs"/>
+              </a:defRPr>
+            </a:lvl2pPr>
+            <a:lvl3pPr marL="1143000" indent="-228600" algn="l" defTabSz="914400" rtl="0" eaLnBrk="1" latinLnBrk="0" hangingPunct="1">
+              <a:lnSpc>
+                <a:spcPct val="90000"/>
+              </a:lnSpc>
+              <a:spcBef>
+                <a:spcPts val="500"/>
+              </a:spcBef>
+              <a:buFont typeface="Arial" panose="020B0604020202020204" pitchFamily="34" charset="0"/>
+              <a:buChar char="•"/>
+              <a:defRPr sz="2000" kern="1200">
+                <a:solidFill>
+                  <a:schemeClr val="tx1"/>
+                </a:solidFill>
+                <a:latin typeface="+mn-lt"/>
+                <a:ea typeface="+mn-ea"/>
+                <a:cs typeface="+mn-cs"/>
+              </a:defRPr>
+            </a:lvl3pPr>
+            <a:lvl4pPr marL="1600200" indent="-228600" algn="l" defTabSz="914400" rtl="0" eaLnBrk="1" latinLnBrk="0" hangingPunct="1">
+              <a:lnSpc>
+                <a:spcPct val="90000"/>
+              </a:lnSpc>
+              <a:spcBef>
+                <a:spcPts val="500"/>
+              </a:spcBef>
+              <a:buFont typeface="Arial" panose="020B0604020202020204" pitchFamily="34" charset="0"/>
+              <a:buChar char="•"/>
+              <a:defRPr sz="1800" kern="1200">
+                <a:solidFill>
+                  <a:schemeClr val="tx1"/>
+                </a:solidFill>
+                <a:latin typeface="+mn-lt"/>
+                <a:ea typeface="+mn-ea"/>
+                <a:cs typeface="+mn-cs"/>
+              </a:defRPr>
+            </a:lvl4pPr>
+            <a:lvl5pPr marL="2057400" indent="-228600" algn="l" defTabSz="914400" rtl="0" eaLnBrk="1" latinLnBrk="0" hangingPunct="1">
+              <a:lnSpc>
+                <a:spcPct val="90000"/>
+              </a:lnSpc>
+              <a:spcBef>
+                <a:spcPts val="500"/>
+              </a:spcBef>
+              <a:buFont typeface="Arial" panose="020B0604020202020204" pitchFamily="34" charset="0"/>
+              <a:buChar char="•"/>
+              <a:defRPr sz="1800" kern="1200">
+                <a:solidFill>
+                  <a:schemeClr val="tx1"/>
+                </a:solidFill>
+                <a:latin typeface="+mn-lt"/>
+                <a:ea typeface="+mn-ea"/>
+                <a:cs typeface="+mn-cs"/>
+              </a:defRPr>
+            </a:lvl5pPr>
+            <a:lvl6pPr marL="2514600" indent="-228600" algn="l" defTabSz="914400" rtl="0" eaLnBrk="1" latinLnBrk="0" hangingPunct="1">
+              <a:lnSpc>
+                <a:spcPct val="90000"/>
+              </a:lnSpc>
+              <a:spcBef>
+                <a:spcPts val="500"/>
+              </a:spcBef>
+              <a:buFont typeface="Arial" panose="020B0604020202020204" pitchFamily="34" charset="0"/>
+              <a:buChar char="•"/>
+              <a:defRPr sz="1800" kern="1200">
+                <a:solidFill>
+                  <a:schemeClr val="tx1"/>
+                </a:solidFill>
+                <a:latin typeface="+mn-lt"/>
+                <a:ea typeface="+mn-ea"/>
+                <a:cs typeface="+mn-cs"/>
+              </a:defRPr>
+            </a:lvl6pPr>
+            <a:lvl7pPr marL="2971800" indent="-228600" algn="l" defTabSz="914400" rtl="0" eaLnBrk="1" latinLnBrk="0" hangingPunct="1">
+              <a:lnSpc>
+                <a:spcPct val="90000"/>
+              </a:lnSpc>
+              <a:spcBef>
+                <a:spcPts val="500"/>
+              </a:spcBef>
+              <a:buFont typeface="Arial" panose="020B0604020202020204" pitchFamily="34" charset="0"/>
+              <a:buChar char="•"/>
+              <a:defRPr sz="1800" kern="1200">
+                <a:solidFill>
+                  <a:schemeClr val="tx1"/>
+                </a:solidFill>
+                <a:latin typeface="+mn-lt"/>
+                <a:ea typeface="+mn-ea"/>
+                <a:cs typeface="+mn-cs"/>
+              </a:defRPr>
+            </a:lvl7pPr>
+            <a:lvl8pPr marL="3429000" indent="-228600" algn="l" defTabSz="914400" rtl="0" eaLnBrk="1" latinLnBrk="0" hangingPunct="1">
+              <a:lnSpc>
+                <a:spcPct val="90000"/>
+              </a:lnSpc>
+              <a:spcBef>
+                <a:spcPts val="500"/>
+              </a:spcBef>
+              <a:buFont typeface="Arial" panose="020B0604020202020204" pitchFamily="34" charset="0"/>
+              <a:buChar char="•"/>
+              <a:defRPr sz="1800" kern="1200">
+                <a:solidFill>
+                  <a:schemeClr val="tx1"/>
+                </a:solidFill>
+                <a:latin typeface="+mn-lt"/>
+                <a:ea typeface="+mn-ea"/>
+                <a:cs typeface="+mn-cs"/>
+              </a:defRPr>
+            </a:lvl8pPr>
+            <a:lvl9pPr marL="3886200" indent="-228600" algn="l" defTabSz="914400" rtl="0" eaLnBrk="1" latinLnBrk="0" hangingPunct="1">
+              <a:lnSpc>
+                <a:spcPct val="90000"/>
+              </a:lnSpc>
+              <a:spcBef>
+                <a:spcPts val="500"/>
+              </a:spcBef>
+              <a:buFont typeface="Arial" panose="020B0604020202020204" pitchFamily="34" charset="0"/>
+              <a:buChar char="•"/>
+              <a:defRPr sz="1800" kern="1200">
+                <a:solidFill>
+                  <a:schemeClr val="tx1"/>
+                </a:solidFill>
+                <a:latin typeface="+mn-lt"/>
+                <a:ea typeface="+mn-ea"/>
+                <a:cs typeface="+mn-cs"/>
+              </a:defRPr>
+            </a:lvl9pPr>
+          </a:lstStyle>
+          <a:p>
+            <a:pPr marL="0" indent="0">
+              <a:buFont typeface="Arial" panose="020B0604020202020204" pitchFamily="34" charset="0"/>
+              <a:buNone/>
+            </a:pPr>
+            <a:endParaRPr lang="fr-FR" dirty="0">
+              <a:latin typeface="Varela Round" panose="00000500000000000000" pitchFamily="2" charset="-79"/>
+              <a:cs typeface="Varela Round" panose="00000500000000000000" pitchFamily="2" charset="-79"/>
+            </a:endParaRPr>
+          </a:p>
+          <a:p>
+            <a:pPr marL="0" indent="0">
+              <a:buFont typeface="Arial" panose="020B0604020202020204" pitchFamily="34" charset="0"/>
+              <a:buNone/>
+            </a:pPr>
+            <a:r>
+              <a:rPr lang="fr-FR" dirty="0">
+                <a:latin typeface="Yantramanav Light" panose="02000000000000000000" pitchFamily="2" charset="0"/>
+                <a:cs typeface="Yantramanav Light" panose="02000000000000000000" pitchFamily="2" charset="0"/>
+              </a:rPr>
+              <a:t>Random text</a:t>
+            </a:r>
+          </a:p>
+          <a:p>
+            <a:pPr marL="0" indent="0">
+              <a:buFont typeface="Arial" panose="020B0604020202020204" pitchFamily="34" charset="0"/>
+              <a:buNone/>
+            </a:pPr>
+            <a:r>
+              <a:rPr lang="fr-FR" sz="2400" dirty="0">
+                <a:latin typeface="Yantramanav Light" panose="02000000000000000000" pitchFamily="2" charset="0"/>
+                <a:cs typeface="Yantramanav Light" panose="02000000000000000000" pitchFamily="2" charset="0"/>
+              </a:rPr>
+              <a:t>Random text</a:t>
+            </a:r>
+          </a:p>
+          <a:p>
+            <a:pPr marL="0" indent="0">
+              <a:buFont typeface="Arial" panose="020B0604020202020204" pitchFamily="34" charset="0"/>
+              <a:buNone/>
+            </a:pPr>
+            <a:r>
+              <a:rPr lang="fr-FR" sz="2000" dirty="0">
+                <a:latin typeface="Yantramanav Light" panose="02000000000000000000" pitchFamily="2" charset="0"/>
+                <a:cs typeface="Yantramanav Light" panose="02000000000000000000" pitchFamily="2" charset="0"/>
+              </a:rPr>
+              <a:t>Random text</a:t>
+            </a:r>
+          </a:p>
+          <a:p>
+            <a:pPr marL="0" indent="0">
+              <a:buFont typeface="Arial" panose="020B0604020202020204" pitchFamily="34" charset="0"/>
+              <a:buNone/>
+            </a:pPr>
+            <a:r>
+              <a:rPr lang="fr-FR" sz="1800" dirty="0">
+                <a:latin typeface="Yantramanav Light" panose="02000000000000000000" pitchFamily="2" charset="0"/>
+                <a:cs typeface="Yantramanav Light" panose="02000000000000000000" pitchFamily="2" charset="0"/>
+              </a:rPr>
+              <a:t>Random text</a:t>
+            </a:r>
+          </a:p>
+          <a:p>
+            <a:pPr marL="0" indent="0">
+              <a:buFont typeface="Arial" panose="020B0604020202020204" pitchFamily="34" charset="0"/>
+              <a:buNone/>
+            </a:pPr>
+            <a:r>
+              <a:rPr lang="fr-FR" sz="1600" dirty="0">
+                <a:latin typeface="Yantramanav Light" panose="02000000000000000000" pitchFamily="2" charset="0"/>
+                <a:cs typeface="Yantramanav Light" panose="02000000000000000000" pitchFamily="2" charset="0"/>
+              </a:rPr>
+              <a:t>Random text</a:t>
+            </a:r>
+          </a:p>
+          <a:p>
+            <a:pPr marL="0" indent="0">
+              <a:buFont typeface="Arial" panose="020B0604020202020204" pitchFamily="34" charset="0"/>
+              <a:buNone/>
+            </a:pPr>
+            <a:r>
+              <a:rPr lang="fr-FR" sz="1400" dirty="0">
+                <a:latin typeface="Yantramanav Light" panose="02000000000000000000" pitchFamily="2" charset="0"/>
+                <a:cs typeface="Yantramanav Light" panose="02000000000000000000" pitchFamily="2" charset="0"/>
+              </a:rPr>
+              <a:t>Random text</a:t>
+            </a:r>
+          </a:p>
+          <a:p>
+            <a:pPr marL="0" indent="0">
+              <a:buFont typeface="Arial" panose="020B0604020202020204" pitchFamily="34" charset="0"/>
+              <a:buNone/>
+            </a:pPr>
+            <a:r>
+              <a:rPr lang="fr-FR" sz="1200" dirty="0">
+                <a:latin typeface="Yantramanav Light" panose="02000000000000000000" pitchFamily="2" charset="0"/>
+                <a:cs typeface="Yantramanav Light" panose="02000000000000000000" pitchFamily="2" charset="0"/>
+              </a:rPr>
+              <a:t>Random text</a:t>
+            </a:r>
+          </a:p>
+          <a:p>
+            <a:pPr marL="0" indent="0">
+              <a:buFont typeface="Arial" panose="020B0604020202020204" pitchFamily="34" charset="0"/>
+              <a:buNone/>
+            </a:pPr>
+            <a:endParaRPr lang="fr-FR" sz="1200" dirty="0">
+              <a:latin typeface="Yantramanav Light" panose="02000000000000000000" pitchFamily="2" charset="0"/>
+              <a:cs typeface="Yantramanav Light" panose="02000000000000000000" pitchFamily="2" charset="0"/>
+            </a:endParaRPr>
+          </a:p>
+          <a:p>
+            <a:pPr marL="0" indent="0">
+              <a:buFont typeface="Arial" panose="020B0604020202020204" pitchFamily="34" charset="0"/>
+              <a:buNone/>
+            </a:pPr>
+            <a:endParaRPr lang="fr-FR" dirty="0">
+              <a:latin typeface="Varela Round" panose="00000500000000000000" pitchFamily="2" charset="-79"/>
+              <a:cs typeface="Varela Round" panose="00000500000000000000" pitchFamily="2" charset="-79"/>
+            </a:endParaRPr>
           </a:p>
         </p:txBody>
       </p:sp>
@@ -4786,31 +5472,44 @@
           </a:p>
         </p:txBody>
       </p:sp>
-      <p:sp>
-        <p:nvSpPr>
-          <p:cNvPr id="3" name="Espace réservé du contenu 2">
-            <a:extLst>
-              <a:ext uri="{FF2B5EF4-FFF2-40B4-BE49-F238E27FC236}">
-                <a16:creationId xmlns:a16="http://schemas.microsoft.com/office/drawing/2014/main" id="{D65DC133-897A-4A5D-A378-ACC226A468C8}"/>
-              </a:ext>
-            </a:extLst>
-          </p:cNvPr>
-          <p:cNvSpPr>
-            <a:spLocks noGrp="1"/>
-          </p:cNvSpPr>
+      <p:pic>
+        <p:nvPicPr>
+          <p:cNvPr id="6" name="Espace réservé du contenu 5">
+            <a:extLst>
+              <a:ext uri="{FF2B5EF4-FFF2-40B4-BE49-F238E27FC236}">
+                <a16:creationId xmlns:a16="http://schemas.microsoft.com/office/drawing/2014/main" id="{2B6C1949-081E-4D97-B598-42A213587A05}"/>
+              </a:ext>
+            </a:extLst>
+          </p:cNvPr>
+          <p:cNvPicPr>
+            <a:picLocks noGrp="1" noChangeAspect="1"/>
+          </p:cNvPicPr>
           <p:nvPr>
             <p:ph idx="1"/>
           </p:nvPr>
-        </p:nvSpPr>
-        <p:spPr/>
-        <p:txBody>
-          <a:bodyPr/>
-          <a:lstStyle/>
-          <a:p>
-            <a:endParaRPr lang="fr-FR"/>
-          </a:p>
-        </p:txBody>
-      </p:sp>
+        </p:nvPicPr>
+        <p:blipFill>
+          <a:blip r:embed="rId2">
+            <a:extLst>
+              <a:ext uri="{28A0092B-C50C-407E-A947-70E740481C1C}">
+                <a14:useLocalDpi xmlns:a14="http://schemas.microsoft.com/office/drawing/2010/main" val="0"/>
+              </a:ext>
+              <a:ext uri="{96DAC541-7B7A-43D3-8B79-37D633B846F1}">
+                <asvg:svgBlip xmlns:asvg="http://schemas.microsoft.com/office/drawing/2016/SVG/main" r:embed="rId3"/>
+              </a:ext>
+            </a:extLst>
+          </a:blip>
+          <a:stretch>
+            <a:fillRect/>
+          </a:stretch>
+        </p:blipFill>
+        <p:spPr>
+          <a:xfrm>
+            <a:off x="3920331" y="1825625"/>
+            <a:ext cx="4351338" cy="4351338"/>
+          </a:xfrm>
+        </p:spPr>
+      </p:pic>
     </p:spTree>
     <p:extLst>
       <p:ext uri="{BB962C8B-B14F-4D97-AF65-F5344CB8AC3E}">

--- a/dossier-conception/charte-graphique.pptx
+++ b/dossier-conception/charte-graphique.pptx
@@ -200,7 +200,7 @@
           <a:p>
             <a:fld id="{F4E298C6-6A67-4E1B-8666-E0F083C72074}" type="datetimeFigureOut">
               <a:rPr lang="fr-FR" smtClean="0"/>
-              <a:t>12/04/2021</a:t>
+              <a:t>13/04/2021</a:t>
             </a:fld>
             <a:endParaRPr lang="fr-FR"/>
           </a:p>
@@ -698,7 +698,7 @@
           <a:p>
             <a:fld id="{04BFDF65-6B2B-4FE3-BD6E-056295CB0837}" type="datetimeFigureOut">
               <a:rPr lang="fr-FR" smtClean="0"/>
-              <a:t>12/04/2021</a:t>
+              <a:t>13/04/2021</a:t>
             </a:fld>
             <a:endParaRPr lang="fr-FR"/>
           </a:p>
@@ -896,7 +896,7 @@
           <a:p>
             <a:fld id="{04BFDF65-6B2B-4FE3-BD6E-056295CB0837}" type="datetimeFigureOut">
               <a:rPr lang="fr-FR" smtClean="0"/>
-              <a:t>12/04/2021</a:t>
+              <a:t>13/04/2021</a:t>
             </a:fld>
             <a:endParaRPr lang="fr-FR"/>
           </a:p>
@@ -1104,7 +1104,7 @@
           <a:p>
             <a:fld id="{04BFDF65-6B2B-4FE3-BD6E-056295CB0837}" type="datetimeFigureOut">
               <a:rPr lang="fr-FR" smtClean="0"/>
-              <a:t>12/04/2021</a:t>
+              <a:t>13/04/2021</a:t>
             </a:fld>
             <a:endParaRPr lang="fr-FR"/>
           </a:p>
@@ -1302,7 +1302,7 @@
           <a:p>
             <a:fld id="{04BFDF65-6B2B-4FE3-BD6E-056295CB0837}" type="datetimeFigureOut">
               <a:rPr lang="fr-FR" smtClean="0"/>
-              <a:t>12/04/2021</a:t>
+              <a:t>13/04/2021</a:t>
             </a:fld>
             <a:endParaRPr lang="fr-FR"/>
           </a:p>
@@ -1577,7 +1577,7 @@
           <a:p>
             <a:fld id="{04BFDF65-6B2B-4FE3-BD6E-056295CB0837}" type="datetimeFigureOut">
               <a:rPr lang="fr-FR" smtClean="0"/>
-              <a:t>12/04/2021</a:t>
+              <a:t>13/04/2021</a:t>
             </a:fld>
             <a:endParaRPr lang="fr-FR"/>
           </a:p>
@@ -1842,7 +1842,7 @@
           <a:p>
             <a:fld id="{04BFDF65-6B2B-4FE3-BD6E-056295CB0837}" type="datetimeFigureOut">
               <a:rPr lang="fr-FR" smtClean="0"/>
-              <a:t>12/04/2021</a:t>
+              <a:t>13/04/2021</a:t>
             </a:fld>
             <a:endParaRPr lang="fr-FR"/>
           </a:p>
@@ -2254,7 +2254,7 @@
           <a:p>
             <a:fld id="{04BFDF65-6B2B-4FE3-BD6E-056295CB0837}" type="datetimeFigureOut">
               <a:rPr lang="fr-FR" smtClean="0"/>
-              <a:t>12/04/2021</a:t>
+              <a:t>13/04/2021</a:t>
             </a:fld>
             <a:endParaRPr lang="fr-FR"/>
           </a:p>
@@ -2395,7 +2395,7 @@
           <a:p>
             <a:fld id="{04BFDF65-6B2B-4FE3-BD6E-056295CB0837}" type="datetimeFigureOut">
               <a:rPr lang="fr-FR" smtClean="0"/>
-              <a:t>12/04/2021</a:t>
+              <a:t>13/04/2021</a:t>
             </a:fld>
             <a:endParaRPr lang="fr-FR"/>
           </a:p>
@@ -2508,7 +2508,7 @@
           <a:p>
             <a:fld id="{04BFDF65-6B2B-4FE3-BD6E-056295CB0837}" type="datetimeFigureOut">
               <a:rPr lang="fr-FR" smtClean="0"/>
-              <a:t>12/04/2021</a:t>
+              <a:t>13/04/2021</a:t>
             </a:fld>
             <a:endParaRPr lang="fr-FR"/>
           </a:p>
@@ -2819,7 +2819,7 @@
           <a:p>
             <a:fld id="{04BFDF65-6B2B-4FE3-BD6E-056295CB0837}" type="datetimeFigureOut">
               <a:rPr lang="fr-FR" smtClean="0"/>
-              <a:t>12/04/2021</a:t>
+              <a:t>13/04/2021</a:t>
             </a:fld>
             <a:endParaRPr lang="fr-FR"/>
           </a:p>
@@ -3107,7 +3107,7 @@
           <a:p>
             <a:fld id="{04BFDF65-6B2B-4FE3-BD6E-056295CB0837}" type="datetimeFigureOut">
               <a:rPr lang="fr-FR" smtClean="0"/>
-              <a:t>12/04/2021</a:t>
+              <a:t>13/04/2021</a:t>
             </a:fld>
             <a:endParaRPr lang="fr-FR"/>
           </a:p>
@@ -3351,7 +3351,7 @@
           <a:p>
             <a:fld id="{04BFDF65-6B2B-4FE3-BD6E-056295CB0837}" type="datetimeFigureOut">
               <a:rPr lang="fr-FR" smtClean="0"/>
-              <a:t>12/04/2021</a:t>
+              <a:t>13/04/2021</a:t>
             </a:fld>
             <a:endParaRPr lang="fr-FR"/>
           </a:p>
@@ -5474,10 +5474,10 @@
       </p:sp>
       <p:pic>
         <p:nvPicPr>
-          <p:cNvPr id="6" name="Espace réservé du contenu 5">
-            <a:extLst>
-              <a:ext uri="{FF2B5EF4-FFF2-40B4-BE49-F238E27FC236}">
-                <a16:creationId xmlns:a16="http://schemas.microsoft.com/office/drawing/2014/main" id="{2B6C1949-081E-4D97-B598-42A213587A05}"/>
+          <p:cNvPr id="12" name="Espace réservé du contenu 11">
+            <a:extLst>
+              <a:ext uri="{FF2B5EF4-FFF2-40B4-BE49-F238E27FC236}">
+                <a16:creationId xmlns:a16="http://schemas.microsoft.com/office/drawing/2014/main" id="{278B0A76-3947-42C9-9D8A-4362F0FAC217}"/>
               </a:ext>
             </a:extLst>
           </p:cNvPr>
@@ -5505,9 +5505,48 @@
         </p:blipFill>
         <p:spPr>
           <a:xfrm>
-            <a:off x="3920331" y="1825625"/>
+            <a:off x="3078991" y="1915937"/>
             <a:ext cx="4351338" cy="4351338"/>
           </a:xfrm>
+        </p:spPr>
+      </p:pic>
+      <p:pic>
+        <p:nvPicPr>
+          <p:cNvPr id="5" name="Graphique 4">
+            <a:extLst>
+              <a:ext uri="{FF2B5EF4-FFF2-40B4-BE49-F238E27FC236}">
+                <a16:creationId xmlns:a16="http://schemas.microsoft.com/office/drawing/2014/main" id="{555BB90E-6C7C-45A6-A6B1-D8D6EEB25AE1}"/>
+              </a:ext>
+            </a:extLst>
+          </p:cNvPr>
+          <p:cNvPicPr>
+            <a:picLocks noChangeAspect="1"/>
+          </p:cNvPicPr>
+          <p:nvPr/>
+        </p:nvPicPr>
+        <p:blipFill>
+          <a:blip r:embed="rId4">
+            <a:extLst>
+              <a:ext uri="{28A0092B-C50C-407E-A947-70E740481C1C}">
+                <a14:useLocalDpi xmlns:a14="http://schemas.microsoft.com/office/drawing/2010/main" val="0"/>
+              </a:ext>
+              <a:ext uri="{96DAC541-7B7A-43D3-8B79-37D633B846F1}">
+                <asvg:svgBlip xmlns:asvg="http://schemas.microsoft.com/office/drawing/2016/SVG/main" r:embed="rId5"/>
+              </a:ext>
+            </a:extLst>
+          </a:blip>
+          <a:stretch>
+            <a:fillRect/>
+          </a:stretch>
+        </p:blipFill>
+        <p:spPr>
+          <a:xfrm>
+            <a:off x="8263467" y="3900312"/>
+            <a:ext cx="2878666" cy="2878666"/>
+          </a:xfrm>
+          <a:prstGeom prst="rect">
+            <a:avLst/>
+          </a:prstGeom>
         </p:spPr>
       </p:pic>
     </p:spTree>

--- a/dossier-conception/charte-graphique.pptx
+++ b/dossier-conception/charte-graphique.pptx
@@ -5,13 +5,11 @@
     <p:sldMasterId id="2147483648" r:id="rId1"/>
   </p:sldMasterIdLst>
   <p:notesMasterIdLst>
-    <p:notesMasterId r:id="rId6"/>
+    <p:notesMasterId r:id="rId4"/>
   </p:notesMasterIdLst>
   <p:sldIdLst>
     <p:sldId id="257" r:id="rId2"/>
-    <p:sldId id="258" r:id="rId3"/>
-    <p:sldId id="259" r:id="rId4"/>
-    <p:sldId id="260" r:id="rId5"/>
+    <p:sldId id="259" r:id="rId3"/>
   </p:sldIdLst>
   <p:sldSz cx="12192000" cy="6858000"/>
   <p:notesSz cx="6858000" cy="9144000"/>
@@ -200,7 +198,7 @@
           <a:p>
             <a:fld id="{F4E298C6-6A67-4E1B-8666-E0F083C72074}" type="datetimeFigureOut">
               <a:rPr lang="fr-FR" smtClean="0"/>
-              <a:t>13/04/2021</a:t>
+              <a:t>23/04/2021</a:t>
             </a:fld>
             <a:endParaRPr lang="fr-FR"/>
           </a:p>
@@ -698,7 +696,7 @@
           <a:p>
             <a:fld id="{04BFDF65-6B2B-4FE3-BD6E-056295CB0837}" type="datetimeFigureOut">
               <a:rPr lang="fr-FR" smtClean="0"/>
-              <a:t>13/04/2021</a:t>
+              <a:t>23/04/2021</a:t>
             </a:fld>
             <a:endParaRPr lang="fr-FR"/>
           </a:p>
@@ -896,7 +894,7 @@
           <a:p>
             <a:fld id="{04BFDF65-6B2B-4FE3-BD6E-056295CB0837}" type="datetimeFigureOut">
               <a:rPr lang="fr-FR" smtClean="0"/>
-              <a:t>13/04/2021</a:t>
+              <a:t>23/04/2021</a:t>
             </a:fld>
             <a:endParaRPr lang="fr-FR"/>
           </a:p>
@@ -1104,7 +1102,7 @@
           <a:p>
             <a:fld id="{04BFDF65-6B2B-4FE3-BD6E-056295CB0837}" type="datetimeFigureOut">
               <a:rPr lang="fr-FR" smtClean="0"/>
-              <a:t>13/04/2021</a:t>
+              <a:t>23/04/2021</a:t>
             </a:fld>
             <a:endParaRPr lang="fr-FR"/>
           </a:p>
@@ -1302,7 +1300,7 @@
           <a:p>
             <a:fld id="{04BFDF65-6B2B-4FE3-BD6E-056295CB0837}" type="datetimeFigureOut">
               <a:rPr lang="fr-FR" smtClean="0"/>
-              <a:t>13/04/2021</a:t>
+              <a:t>23/04/2021</a:t>
             </a:fld>
             <a:endParaRPr lang="fr-FR"/>
           </a:p>
@@ -1577,7 +1575,7 @@
           <a:p>
             <a:fld id="{04BFDF65-6B2B-4FE3-BD6E-056295CB0837}" type="datetimeFigureOut">
               <a:rPr lang="fr-FR" smtClean="0"/>
-              <a:t>13/04/2021</a:t>
+              <a:t>23/04/2021</a:t>
             </a:fld>
             <a:endParaRPr lang="fr-FR"/>
           </a:p>
@@ -1842,7 +1840,7 @@
           <a:p>
             <a:fld id="{04BFDF65-6B2B-4FE3-BD6E-056295CB0837}" type="datetimeFigureOut">
               <a:rPr lang="fr-FR" smtClean="0"/>
-              <a:t>13/04/2021</a:t>
+              <a:t>23/04/2021</a:t>
             </a:fld>
             <a:endParaRPr lang="fr-FR"/>
           </a:p>
@@ -2254,7 +2252,7 @@
           <a:p>
             <a:fld id="{04BFDF65-6B2B-4FE3-BD6E-056295CB0837}" type="datetimeFigureOut">
               <a:rPr lang="fr-FR" smtClean="0"/>
-              <a:t>13/04/2021</a:t>
+              <a:t>23/04/2021</a:t>
             </a:fld>
             <a:endParaRPr lang="fr-FR"/>
           </a:p>
@@ -2395,7 +2393,7 @@
           <a:p>
             <a:fld id="{04BFDF65-6B2B-4FE3-BD6E-056295CB0837}" type="datetimeFigureOut">
               <a:rPr lang="fr-FR" smtClean="0"/>
-              <a:t>13/04/2021</a:t>
+              <a:t>23/04/2021</a:t>
             </a:fld>
             <a:endParaRPr lang="fr-FR"/>
           </a:p>
@@ -2508,7 +2506,7 @@
           <a:p>
             <a:fld id="{04BFDF65-6B2B-4FE3-BD6E-056295CB0837}" type="datetimeFigureOut">
               <a:rPr lang="fr-FR" smtClean="0"/>
-              <a:t>13/04/2021</a:t>
+              <a:t>23/04/2021</a:t>
             </a:fld>
             <a:endParaRPr lang="fr-FR"/>
           </a:p>
@@ -2819,7 +2817,7 @@
           <a:p>
             <a:fld id="{04BFDF65-6B2B-4FE3-BD6E-056295CB0837}" type="datetimeFigureOut">
               <a:rPr lang="fr-FR" smtClean="0"/>
-              <a:t>13/04/2021</a:t>
+              <a:t>23/04/2021</a:t>
             </a:fld>
             <a:endParaRPr lang="fr-FR"/>
           </a:p>
@@ -3107,7 +3105,7 @@
           <a:p>
             <a:fld id="{04BFDF65-6B2B-4FE3-BD6E-056295CB0837}" type="datetimeFigureOut">
               <a:rPr lang="fr-FR" smtClean="0"/>
-              <a:t>13/04/2021</a:t>
+              <a:t>23/04/2021</a:t>
             </a:fld>
             <a:endParaRPr lang="fr-FR"/>
           </a:p>
@@ -3351,7 +3349,7 @@
           <a:p>
             <a:fld id="{04BFDF65-6B2B-4FE3-BD6E-056295CB0837}" type="datetimeFigureOut">
               <a:rPr lang="fr-FR" smtClean="0"/>
-              <a:t>13/04/2021</a:t>
+              <a:t>23/04/2021</a:t>
             </a:fld>
             <a:endParaRPr lang="fr-FR"/>
           </a:p>
@@ -3866,7 +3864,7 @@
             </a:pPr>
             <a:r>
               <a:rPr lang="fr-FR" dirty="0">
-                <a:latin typeface="Varela Round" panose="00000500000000000000" pitchFamily="2" charset="-79"/>
+                <a:latin typeface="Bahnschrift SemiCondensed" panose="020B0502040204020203" pitchFamily="34" charset="0"/>
                 <a:cs typeface="Varela Round" panose="00000500000000000000" pitchFamily="2" charset="-79"/>
               </a:rPr>
               <a:t>Random text</a:t>
@@ -3878,7 +3876,7 @@
             </a:pPr>
             <a:r>
               <a:rPr lang="fr-FR" sz="2400" dirty="0">
-                <a:latin typeface="Varela Round" panose="00000500000000000000" pitchFamily="2" charset="-79"/>
+                <a:latin typeface="Bahnschrift SemiCondensed" panose="020B0502040204020203" pitchFamily="34" charset="0"/>
                 <a:cs typeface="Varela Round" panose="00000500000000000000" pitchFamily="2" charset="-79"/>
               </a:rPr>
               <a:t>Random text</a:t>
@@ -3890,7 +3888,7 @@
             </a:pPr>
             <a:r>
               <a:rPr lang="fr-FR" sz="2000" dirty="0">
-                <a:latin typeface="Varela Round" panose="00000500000000000000" pitchFamily="2" charset="-79"/>
+                <a:latin typeface="Bahnschrift SemiCondensed" panose="020B0502040204020203" pitchFamily="34" charset="0"/>
                 <a:cs typeface="Varela Round" panose="00000500000000000000" pitchFamily="2" charset="-79"/>
               </a:rPr>
               <a:t>Random text</a:t>
@@ -3902,7 +3900,7 @@
             </a:pPr>
             <a:r>
               <a:rPr lang="fr-FR" sz="1800" dirty="0">
-                <a:latin typeface="Varela Round" panose="00000500000000000000" pitchFamily="2" charset="-79"/>
+                <a:latin typeface="Bahnschrift SemiCondensed" panose="020B0502040204020203" pitchFamily="34" charset="0"/>
                 <a:cs typeface="Varela Round" panose="00000500000000000000" pitchFamily="2" charset="-79"/>
               </a:rPr>
               <a:t>Random text</a:t>
@@ -3914,7 +3912,7 @@
             </a:pPr>
             <a:r>
               <a:rPr lang="fr-FR" sz="1600" dirty="0">
-                <a:latin typeface="Varela Round" panose="00000500000000000000" pitchFamily="2" charset="-79"/>
+                <a:latin typeface="Bahnschrift SemiCondensed" panose="020B0502040204020203" pitchFamily="34" charset="0"/>
                 <a:cs typeface="Varela Round" panose="00000500000000000000" pitchFamily="2" charset="-79"/>
               </a:rPr>
               <a:t>Random text</a:t>
@@ -3926,7 +3924,7 @@
             </a:pPr>
             <a:r>
               <a:rPr lang="fr-FR" sz="1400" dirty="0">
-                <a:latin typeface="Varela Round" panose="00000500000000000000" pitchFamily="2" charset="-79"/>
+                <a:latin typeface="Bahnschrift SemiCondensed" panose="020B0502040204020203" pitchFamily="34" charset="0"/>
                 <a:cs typeface="Varela Round" panose="00000500000000000000" pitchFamily="2" charset="-79"/>
               </a:rPr>
               <a:t>Random text</a:t>
@@ -3938,7 +3936,7 @@
             </a:pPr>
             <a:r>
               <a:rPr lang="fr-FR" sz="1200" dirty="0">
-                <a:latin typeface="Varela Round" panose="00000500000000000000" pitchFamily="2" charset="-79"/>
+                <a:latin typeface="Bahnschrift SemiCondensed" panose="020B0502040204020203" pitchFamily="34" charset="0"/>
                 <a:cs typeface="Varela Round" panose="00000500000000000000" pitchFamily="2" charset="-79"/>
               </a:rPr>
               <a:t>Random text</a:t>
@@ -3949,7 +3947,7 @@
               <a:buNone/>
             </a:pPr>
             <a:endParaRPr lang="fr-FR" sz="1200" dirty="0">
-              <a:latin typeface="Varela Round" panose="00000500000000000000" pitchFamily="2" charset="-79"/>
+              <a:latin typeface="Bahnschrift SemiCondensed" panose="020B0502040204020203" pitchFamily="34" charset="0"/>
               <a:cs typeface="Varela Round" panose="00000500000000000000" pitchFamily="2" charset="-79"/>
             </a:endParaRPr>
           </a:p>
@@ -4036,7 +4034,7 @@
         <p:spPr>
           <a:xfrm>
             <a:off x="2803221" y="2715293"/>
-            <a:ext cx="1675459" cy="369332"/>
+            <a:ext cx="2715808" cy="369332"/>
           </a:xfrm>
           <a:prstGeom prst="rect">
             <a:avLst/>
@@ -4050,12 +4048,30 @@
           <a:lstStyle/>
           <a:p>
             <a:r>
-              <a:rPr lang="fr-FR" dirty="0">
-                <a:latin typeface="Varela Round" panose="00000500000000000000" pitchFamily="2" charset="-79"/>
+              <a:rPr lang="fr-FR" dirty="0" err="1">
+                <a:latin typeface="Bahnschrift SemiCondensed" panose="020B0502040204020203" pitchFamily="34" charset="0"/>
                 <a:cs typeface="Varela Round" panose="00000500000000000000" pitchFamily="2" charset="-79"/>
               </a:rPr>
-              <a:t>Varela Round</a:t>
-            </a:r>
+              <a:t>Bahnschrift</a:t>
+            </a:r>
+            <a:r>
+              <a:rPr lang="fr-FR" dirty="0">
+                <a:latin typeface="Bahnschrift SemiCondensed" panose="020B0502040204020203" pitchFamily="34" charset="0"/>
+                <a:cs typeface="Varela Round" panose="00000500000000000000" pitchFamily="2" charset="-79"/>
+              </a:rPr>
+              <a:t> </a:t>
+            </a:r>
+            <a:r>
+              <a:rPr lang="fr-FR" dirty="0" err="1">
+                <a:latin typeface="Bahnschrift SemiCondensed" panose="020B0502040204020203" pitchFamily="34" charset="0"/>
+                <a:cs typeface="Varela Round" panose="00000500000000000000" pitchFamily="2" charset="-79"/>
+              </a:rPr>
+              <a:t>SemiCondensed</a:t>
+            </a:r>
+            <a:endParaRPr lang="fr-FR" dirty="0">
+              <a:latin typeface="Bahnschrift SemiCondensed" panose="020B0502040204020203" pitchFamily="34" charset="0"/>
+              <a:cs typeface="Varela Round" panose="00000500000000000000" pitchFamily="2" charset="-79"/>
+            </a:endParaRPr>
           </a:p>
         </p:txBody>
       </p:sp>
@@ -4074,7 +4090,7 @@
         <p:spPr>
           <a:xfrm>
             <a:off x="9629135" y="2661736"/>
-            <a:ext cx="2061783" cy="369332"/>
+            <a:ext cx="2036198" cy="369332"/>
           </a:xfrm>
           <a:prstGeom prst="rect">
             <a:avLst/>
@@ -4088,18 +4104,11 @@
           <a:lstStyle/>
           <a:p>
             <a:r>
-              <a:rPr lang="fr-FR" i="1" dirty="0" err="1">
-                <a:latin typeface="Raleway" pitchFamily="2" charset="0"/>
+              <a:rPr lang="fr-FR" i="1" dirty="0">
+                <a:latin typeface="Adobe Garamond Pro" panose="02020502060506020403" pitchFamily="18" charset="0"/>
                 <a:cs typeface="Varela Round" panose="00000500000000000000" pitchFamily="2" charset="-79"/>
               </a:rPr>
-              <a:t>Raleway</a:t>
-            </a:r>
-            <a:r>
-              <a:rPr lang="fr-FR" i="1" dirty="0">
-                <a:latin typeface="Raleway" pitchFamily="2" charset="0"/>
-                <a:cs typeface="Varela Round" panose="00000500000000000000" pitchFamily="2" charset="-79"/>
-              </a:rPr>
-              <a:t> (italique)</a:t>
+              <a:t>Adobe Garamond Pro</a:t>
             </a:r>
           </a:p>
         </p:txBody>
@@ -4545,7 +4554,7 @@
         <p:spPr>
           <a:xfrm>
             <a:off x="6012435" y="2681872"/>
-            <a:ext cx="1866217" cy="369332"/>
+            <a:ext cx="2694969" cy="369332"/>
           </a:xfrm>
           <a:prstGeom prst="rect">
             <a:avLst/>
@@ -4560,15 +4569,28 @@
           <a:p>
             <a:pPr algn="l" fontAlgn="base"/>
             <a:r>
+              <a:rPr lang="fr-FR" b="0" dirty="0">
+                <a:solidFill>
+                  <a:srgbClr val="202124"/>
+                </a:solidFill>
+                <a:effectLst/>
+                <a:latin typeface="Adobe Myungjo Std M" panose="02020600000000000000" pitchFamily="18" charset="-128"/>
+                <a:ea typeface="Adobe Myungjo Std M" panose="02020600000000000000" pitchFamily="18" charset="-128"/>
+                <a:cs typeface="Yantramanav Light" panose="02000000000000000000" pitchFamily="2" charset="0"/>
+              </a:rPr>
+              <a:t>Adobe </a:t>
+            </a:r>
+            <a:r>
               <a:rPr lang="fr-FR" b="0" dirty="0" err="1">
                 <a:solidFill>
                   <a:srgbClr val="202124"/>
                 </a:solidFill>
                 <a:effectLst/>
-                <a:latin typeface="Yantramanav Light" panose="02000000000000000000" pitchFamily="2" charset="0"/>
+                <a:latin typeface="Adobe Myungjo Std M" panose="02020600000000000000" pitchFamily="18" charset="-128"/>
+                <a:ea typeface="Adobe Myungjo Std M" panose="02020600000000000000" pitchFamily="18" charset="-128"/>
                 <a:cs typeface="Yantramanav Light" panose="02000000000000000000" pitchFamily="2" charset="0"/>
               </a:rPr>
-              <a:t>Yantramanav</a:t>
+              <a:t>Myungjo</a:t>
             </a:r>
             <a:r>
               <a:rPr lang="fr-FR" b="0" dirty="0">
@@ -4576,10 +4598,11 @@
                   <a:srgbClr val="202124"/>
                 </a:solidFill>
                 <a:effectLst/>
-                <a:latin typeface="Yantramanav Light" panose="02000000000000000000" pitchFamily="2" charset="0"/>
+                <a:latin typeface="Adobe Myungjo Std M" panose="02020600000000000000" pitchFamily="18" charset="-128"/>
+                <a:ea typeface="Adobe Myungjo Std M" panose="02020600000000000000" pitchFamily="18" charset="-128"/>
                 <a:cs typeface="Yantramanav Light" panose="02000000000000000000" pitchFamily="2" charset="0"/>
               </a:rPr>
-              <a:t> light</a:t>
+              <a:t> Std M</a:t>
             </a:r>
           </a:p>
         </p:txBody>
@@ -4598,8 +4621,8 @@
         </p:nvSpPr>
         <p:spPr>
           <a:xfrm>
-            <a:off x="2803221" y="2008847"/>
-            <a:ext cx="1104790" cy="584775"/>
+            <a:off x="2803220" y="2008847"/>
+            <a:ext cx="3953995" cy="584775"/>
           </a:xfrm>
           <a:prstGeom prst="rect">
             <a:avLst/>
@@ -4617,10 +4640,10 @@
             </a:pPr>
             <a:r>
               <a:rPr lang="fr-FR" sz="3200" dirty="0">
-                <a:latin typeface="Varela Round" panose="00000500000000000000" pitchFamily="2" charset="-79"/>
+                <a:latin typeface="Bahnschrift SemiCondensed" panose="020B0502040204020203" pitchFamily="34" charset="0"/>
                 <a:cs typeface="Varela Round" panose="00000500000000000000" pitchFamily="2" charset="-79"/>
               </a:rPr>
-              <a:t>Titre</a:t>
+              <a:t>Post web designer</a:t>
             </a:r>
           </a:p>
         </p:txBody>
@@ -4639,8 +4662,8 @@
         </p:nvSpPr>
         <p:spPr>
           <a:xfrm>
-            <a:off x="5950910" y="1516405"/>
-            <a:ext cx="3963756" cy="1077218"/>
+            <a:off x="5950911" y="2008847"/>
+            <a:ext cx="3963756" cy="584775"/>
           </a:xfrm>
           <a:prstGeom prst="rect">
             <a:avLst/>
@@ -4659,23 +4682,11 @@
             </a:pPr>
             <a:r>
               <a:rPr lang="fr-FR" sz="3200" i="1" dirty="0">
-                <a:latin typeface="Raleway" pitchFamily="2" charset="0"/>
+                <a:latin typeface="Adobe Myungjo Std M" panose="02020600000000000000" pitchFamily="18" charset="-128"/>
+                <a:ea typeface="Adobe Myungjo Std M" panose="02020600000000000000" pitchFamily="18" charset="-128"/>
                 <a:cs typeface="Varela Round" panose="00000500000000000000" pitchFamily="2" charset="-79"/>
               </a:rPr>
-              <a:t>Sous titre,</a:t>
-            </a:r>
-          </a:p>
-          <a:p>
-            <a:pPr marL="0" indent="0">
-              <a:buFont typeface="Arial" panose="020B0604020202020204" pitchFamily="34" charset="0"/>
-              <a:buNone/>
-            </a:pPr>
-            <a:r>
-              <a:rPr lang="fr-FR" sz="3200" i="1" dirty="0">
-                <a:latin typeface="Raleway" pitchFamily="2" charset="0"/>
-                <a:cs typeface="Varela Round" panose="00000500000000000000" pitchFamily="2" charset="-79"/>
-              </a:rPr>
-              <a:t>Titres articles</a:t>
+              <a:t>Sous titre</a:t>
             </a:r>
           </a:p>
         </p:txBody>
@@ -4714,10 +4725,10 @@
             </a:pPr>
             <a:r>
               <a:rPr lang="fr-FR" sz="3200" dirty="0">
-                <a:latin typeface="Yantramanav Light" panose="02000000000000000000" pitchFamily="2" charset="0"/>
+                <a:latin typeface="Adobe Garamond Pro" panose="02020502060506020403" pitchFamily="18" charset="0"/>
                 <a:cs typeface="Yantramanav Light" panose="02000000000000000000" pitchFamily="2" charset="0"/>
               </a:rPr>
-              <a:t>Paragraphe</a:t>
+              <a:t>Texte</a:t>
             </a:r>
           </a:p>
         </p:txBody>
@@ -4738,7 +4749,7 @@
         </p:nvSpPr>
         <p:spPr>
           <a:xfrm>
-            <a:off x="6010694" y="2688179"/>
+            <a:off x="6065804" y="2715293"/>
             <a:ext cx="2743199" cy="4428419"/>
           </a:xfrm>
           <a:prstGeom prst="rect">
@@ -4919,7 +4930,8 @@
               <a:buNone/>
             </a:pPr>
             <a:endParaRPr lang="fr-FR" dirty="0">
-              <a:latin typeface="Varela Round" panose="00000500000000000000" pitchFamily="2" charset="-79"/>
+              <a:latin typeface="Adobe Myungjo Std M" panose="02020600000000000000" pitchFamily="18" charset="-128"/>
+              <a:ea typeface="Adobe Myungjo Std M" panose="02020600000000000000" pitchFamily="18" charset="-128"/>
               <a:cs typeface="Varela Round" panose="00000500000000000000" pitchFamily="2" charset="-79"/>
             </a:endParaRPr>
           </a:p>
@@ -4930,7 +4942,8 @@
             </a:pPr>
             <a:r>
               <a:rPr lang="fr-FR" i="1" dirty="0">
-                <a:latin typeface="Raleway" pitchFamily="2" charset="0"/>
+                <a:latin typeface="Adobe Myungjo Std M" panose="02020600000000000000" pitchFamily="18" charset="-128"/>
+                <a:ea typeface="Adobe Myungjo Std M" panose="02020600000000000000" pitchFamily="18" charset="-128"/>
                 <a:cs typeface="Varela Round" panose="00000500000000000000" pitchFamily="2" charset="-79"/>
               </a:rPr>
               <a:t>Random text</a:t>
@@ -4943,7 +4956,8 @@
             </a:pPr>
             <a:r>
               <a:rPr lang="fr-FR" sz="2400" i="1" dirty="0">
-                <a:latin typeface="Raleway" pitchFamily="2" charset="0"/>
+                <a:latin typeface="Adobe Myungjo Std M" panose="02020600000000000000" pitchFamily="18" charset="-128"/>
+                <a:ea typeface="Adobe Myungjo Std M" panose="02020600000000000000" pitchFamily="18" charset="-128"/>
                 <a:cs typeface="Varela Round" panose="00000500000000000000" pitchFamily="2" charset="-79"/>
               </a:rPr>
               <a:t>Random text</a:t>
@@ -4956,7 +4970,8 @@
             </a:pPr>
             <a:r>
               <a:rPr lang="fr-FR" sz="2000" i="1" dirty="0">
-                <a:latin typeface="Raleway" pitchFamily="2" charset="0"/>
+                <a:latin typeface="Adobe Myungjo Std M" panose="02020600000000000000" pitchFamily="18" charset="-128"/>
+                <a:ea typeface="Adobe Myungjo Std M" panose="02020600000000000000" pitchFamily="18" charset="-128"/>
                 <a:cs typeface="Varela Round" panose="00000500000000000000" pitchFamily="2" charset="-79"/>
               </a:rPr>
               <a:t>Random text</a:t>
@@ -4969,7 +4984,8 @@
             </a:pPr>
             <a:r>
               <a:rPr lang="fr-FR" sz="1800" i="1" dirty="0">
-                <a:latin typeface="Raleway" pitchFamily="2" charset="0"/>
+                <a:latin typeface="Adobe Myungjo Std M" panose="02020600000000000000" pitchFamily="18" charset="-128"/>
+                <a:ea typeface="Adobe Myungjo Std M" panose="02020600000000000000" pitchFamily="18" charset="-128"/>
                 <a:cs typeface="Varela Round" panose="00000500000000000000" pitchFamily="2" charset="-79"/>
               </a:rPr>
               <a:t>Random text</a:t>
@@ -4982,7 +4998,8 @@
             </a:pPr>
             <a:r>
               <a:rPr lang="fr-FR" sz="1600" i="1" dirty="0">
-                <a:latin typeface="Raleway" pitchFamily="2" charset="0"/>
+                <a:latin typeface="Adobe Myungjo Std M" panose="02020600000000000000" pitchFamily="18" charset="-128"/>
+                <a:ea typeface="Adobe Myungjo Std M" panose="02020600000000000000" pitchFamily="18" charset="-128"/>
                 <a:cs typeface="Varela Round" panose="00000500000000000000" pitchFamily="2" charset="-79"/>
               </a:rPr>
               <a:t>Random text</a:t>
@@ -4995,7 +5012,8 @@
             </a:pPr>
             <a:r>
               <a:rPr lang="fr-FR" sz="1400" i="1" dirty="0">
-                <a:latin typeface="Raleway" pitchFamily="2" charset="0"/>
+                <a:latin typeface="Adobe Myungjo Std M" panose="02020600000000000000" pitchFamily="18" charset="-128"/>
+                <a:ea typeface="Adobe Myungjo Std M" panose="02020600000000000000" pitchFamily="18" charset="-128"/>
                 <a:cs typeface="Varela Round" panose="00000500000000000000" pitchFamily="2" charset="-79"/>
               </a:rPr>
               <a:t>Random text</a:t>
@@ -5008,7 +5026,8 @@
             </a:pPr>
             <a:r>
               <a:rPr lang="fr-FR" sz="1200" i="1" dirty="0">
-                <a:latin typeface="Raleway" pitchFamily="2" charset="0"/>
+                <a:latin typeface="Adobe Myungjo Std M" panose="02020600000000000000" pitchFamily="18" charset="-128"/>
+                <a:ea typeface="Adobe Myungjo Std M" panose="02020600000000000000" pitchFamily="18" charset="-128"/>
                 <a:cs typeface="Varela Round" panose="00000500000000000000" pitchFamily="2" charset="-79"/>
               </a:rPr>
               <a:t>Random text</a:t>
@@ -5052,7 +5071,7 @@
         </p:nvSpPr>
         <p:spPr>
           <a:xfrm>
-            <a:off x="9629135" y="2679712"/>
+            <a:off x="9609995" y="3187712"/>
             <a:ext cx="2743199" cy="4428419"/>
           </a:xfrm>
           <a:prstGeom prst="rect">
@@ -5233,7 +5252,7 @@
               <a:buNone/>
             </a:pPr>
             <a:endParaRPr lang="fr-FR" dirty="0">
-              <a:latin typeface="Varela Round" panose="00000500000000000000" pitchFamily="2" charset="-79"/>
+              <a:latin typeface="Adobe Garamond Pro" panose="02020502060506020403" pitchFamily="18" charset="0"/>
               <a:cs typeface="Varela Round" panose="00000500000000000000" pitchFamily="2" charset="-79"/>
             </a:endParaRPr>
           </a:p>
@@ -5244,7 +5263,7 @@
             </a:pPr>
             <a:r>
               <a:rPr lang="fr-FR" dirty="0">
-                <a:latin typeface="Yantramanav Light" panose="02000000000000000000" pitchFamily="2" charset="0"/>
+                <a:latin typeface="Adobe Garamond Pro" panose="02020502060506020403" pitchFamily="18" charset="0"/>
                 <a:cs typeface="Yantramanav Light" panose="02000000000000000000" pitchFamily="2" charset="0"/>
               </a:rPr>
               <a:t>Random text</a:t>
@@ -5257,7 +5276,7 @@
             </a:pPr>
             <a:r>
               <a:rPr lang="fr-FR" sz="2400" dirty="0">
-                <a:latin typeface="Yantramanav Light" panose="02000000000000000000" pitchFamily="2" charset="0"/>
+                <a:latin typeface="Adobe Garamond Pro" panose="02020502060506020403" pitchFamily="18" charset="0"/>
                 <a:cs typeface="Yantramanav Light" panose="02000000000000000000" pitchFamily="2" charset="0"/>
               </a:rPr>
               <a:t>Random text</a:t>
@@ -5270,7 +5289,7 @@
             </a:pPr>
             <a:r>
               <a:rPr lang="fr-FR" sz="2000" dirty="0">
-                <a:latin typeface="Yantramanav Light" panose="02000000000000000000" pitchFamily="2" charset="0"/>
+                <a:latin typeface="Adobe Garamond Pro" panose="02020502060506020403" pitchFamily="18" charset="0"/>
                 <a:cs typeface="Yantramanav Light" panose="02000000000000000000" pitchFamily="2" charset="0"/>
               </a:rPr>
               <a:t>Random text</a:t>
@@ -5283,7 +5302,7 @@
             </a:pPr>
             <a:r>
               <a:rPr lang="fr-FR" sz="1800" dirty="0">
-                <a:latin typeface="Yantramanav Light" panose="02000000000000000000" pitchFamily="2" charset="0"/>
+                <a:latin typeface="Adobe Garamond Pro" panose="02020502060506020403" pitchFamily="18" charset="0"/>
                 <a:cs typeface="Yantramanav Light" panose="02000000000000000000" pitchFamily="2" charset="0"/>
               </a:rPr>
               <a:t>Random text</a:t>
@@ -5296,7 +5315,7 @@
             </a:pPr>
             <a:r>
               <a:rPr lang="fr-FR" sz="1600" dirty="0">
-                <a:latin typeface="Yantramanav Light" panose="02000000000000000000" pitchFamily="2" charset="0"/>
+                <a:latin typeface="Adobe Garamond Pro" panose="02020502060506020403" pitchFamily="18" charset="0"/>
                 <a:cs typeface="Yantramanav Light" panose="02000000000000000000" pitchFamily="2" charset="0"/>
               </a:rPr>
               <a:t>Random text</a:t>
@@ -5309,7 +5328,7 @@
             </a:pPr>
             <a:r>
               <a:rPr lang="fr-FR" sz="1400" dirty="0">
-                <a:latin typeface="Yantramanav Light" panose="02000000000000000000" pitchFamily="2" charset="0"/>
+                <a:latin typeface="Adobe Garamond Pro" panose="02020502060506020403" pitchFamily="18" charset="0"/>
                 <a:cs typeface="Yantramanav Light" panose="02000000000000000000" pitchFamily="2" charset="0"/>
               </a:rPr>
               <a:t>Random text</a:t>
@@ -5322,7 +5341,7 @@
             </a:pPr>
             <a:r>
               <a:rPr lang="fr-FR" sz="1200" dirty="0">
-                <a:latin typeface="Yantramanav Light" panose="02000000000000000000" pitchFamily="2" charset="0"/>
+                <a:latin typeface="Adobe Garamond Pro" panose="02020502060506020403" pitchFamily="18" charset="0"/>
                 <a:cs typeface="Yantramanav Light" panose="02000000000000000000" pitchFamily="2" charset="0"/>
               </a:rPr>
               <a:t>Random text</a:t>
@@ -5334,7 +5353,7 @@
               <a:buNone/>
             </a:pPr>
             <a:endParaRPr lang="fr-FR" sz="1200" dirty="0">
-              <a:latin typeface="Yantramanav Light" panose="02000000000000000000" pitchFamily="2" charset="0"/>
+              <a:latin typeface="Adobe Garamond Pro" panose="02020502060506020403" pitchFamily="18" charset="0"/>
               <a:cs typeface="Yantramanav Light" panose="02000000000000000000" pitchFamily="2" charset="0"/>
             </a:endParaRPr>
           </a:p>
@@ -5385,7 +5404,7 @@
           <p:cNvPr id="4" name="Ellipse 3">
             <a:extLst>
               <a:ext uri="{FF2B5EF4-FFF2-40B4-BE49-F238E27FC236}">
-                <a16:creationId xmlns:a16="http://schemas.microsoft.com/office/drawing/2014/main" id="{002D1266-E3F8-419F-A245-19879742FC48}"/>
+                <a16:creationId xmlns:a16="http://schemas.microsoft.com/office/drawing/2014/main" id="{5EDF3A2A-332F-408B-A002-2311173703FD}"/>
               </a:ext>
             </a:extLst>
           </p:cNvPr>
@@ -5441,205 +5460,6 @@
           <p:cNvPr id="2" name="Titre 1">
             <a:extLst>
               <a:ext uri="{FF2B5EF4-FFF2-40B4-BE49-F238E27FC236}">
-                <a16:creationId xmlns:a16="http://schemas.microsoft.com/office/drawing/2014/main" id="{248135D5-E79D-46F1-9A96-D206ED693F39}"/>
-              </a:ext>
-            </a:extLst>
-          </p:cNvPr>
-          <p:cNvSpPr>
-            <a:spLocks noGrp="1"/>
-          </p:cNvSpPr>
-          <p:nvPr>
-            <p:ph type="title"/>
-          </p:nvPr>
-        </p:nvSpPr>
-        <p:spPr>
-          <a:xfrm>
-            <a:off x="838200" y="365125"/>
-            <a:ext cx="2240791" cy="1325563"/>
-          </a:xfrm>
-        </p:spPr>
-        <p:txBody>
-          <a:bodyPr/>
-          <a:lstStyle/>
-          <a:p>
-            <a:r>
-              <a:rPr lang="fr-FR" dirty="0">
-                <a:latin typeface="Varela Round" panose="00000500000000000000" pitchFamily="2" charset="-79"/>
-                <a:cs typeface="Varela Round" panose="00000500000000000000" pitchFamily="2" charset="-79"/>
-              </a:rPr>
-              <a:t>LOGO</a:t>
-            </a:r>
-          </a:p>
-        </p:txBody>
-      </p:sp>
-      <p:pic>
-        <p:nvPicPr>
-          <p:cNvPr id="12" name="Espace réservé du contenu 11">
-            <a:extLst>
-              <a:ext uri="{FF2B5EF4-FFF2-40B4-BE49-F238E27FC236}">
-                <a16:creationId xmlns:a16="http://schemas.microsoft.com/office/drawing/2014/main" id="{278B0A76-3947-42C9-9D8A-4362F0FAC217}"/>
-              </a:ext>
-            </a:extLst>
-          </p:cNvPr>
-          <p:cNvPicPr>
-            <a:picLocks noGrp="1" noChangeAspect="1"/>
-          </p:cNvPicPr>
-          <p:nvPr>
-            <p:ph idx="1"/>
-          </p:nvPr>
-        </p:nvPicPr>
-        <p:blipFill>
-          <a:blip r:embed="rId2">
-            <a:extLst>
-              <a:ext uri="{28A0092B-C50C-407E-A947-70E740481C1C}">
-                <a14:useLocalDpi xmlns:a14="http://schemas.microsoft.com/office/drawing/2010/main" val="0"/>
-              </a:ext>
-              <a:ext uri="{96DAC541-7B7A-43D3-8B79-37D633B846F1}">
-                <asvg:svgBlip xmlns:asvg="http://schemas.microsoft.com/office/drawing/2016/SVG/main" r:embed="rId3"/>
-              </a:ext>
-            </a:extLst>
-          </a:blip>
-          <a:stretch>
-            <a:fillRect/>
-          </a:stretch>
-        </p:blipFill>
-        <p:spPr>
-          <a:xfrm>
-            <a:off x="3078991" y="1915937"/>
-            <a:ext cx="4351338" cy="4351338"/>
-          </a:xfrm>
-        </p:spPr>
-      </p:pic>
-      <p:pic>
-        <p:nvPicPr>
-          <p:cNvPr id="5" name="Graphique 4">
-            <a:extLst>
-              <a:ext uri="{FF2B5EF4-FFF2-40B4-BE49-F238E27FC236}">
-                <a16:creationId xmlns:a16="http://schemas.microsoft.com/office/drawing/2014/main" id="{555BB90E-6C7C-45A6-A6B1-D8D6EEB25AE1}"/>
-              </a:ext>
-            </a:extLst>
-          </p:cNvPr>
-          <p:cNvPicPr>
-            <a:picLocks noChangeAspect="1"/>
-          </p:cNvPicPr>
-          <p:nvPr/>
-        </p:nvPicPr>
-        <p:blipFill>
-          <a:blip r:embed="rId4">
-            <a:extLst>
-              <a:ext uri="{28A0092B-C50C-407E-A947-70E740481C1C}">
-                <a14:useLocalDpi xmlns:a14="http://schemas.microsoft.com/office/drawing/2010/main" val="0"/>
-              </a:ext>
-              <a:ext uri="{96DAC541-7B7A-43D3-8B79-37D633B846F1}">
-                <asvg:svgBlip xmlns:asvg="http://schemas.microsoft.com/office/drawing/2016/SVG/main" r:embed="rId5"/>
-              </a:ext>
-            </a:extLst>
-          </a:blip>
-          <a:stretch>
-            <a:fillRect/>
-          </a:stretch>
-        </p:blipFill>
-        <p:spPr>
-          <a:xfrm>
-            <a:off x="8263467" y="3900312"/>
-            <a:ext cx="2878666" cy="2878666"/>
-          </a:xfrm>
-          <a:prstGeom prst="rect">
-            <a:avLst/>
-          </a:prstGeom>
-        </p:spPr>
-      </p:pic>
-    </p:spTree>
-    <p:extLst>
-      <p:ext uri="{BB962C8B-B14F-4D97-AF65-F5344CB8AC3E}">
-        <p14:creationId xmlns:p14="http://schemas.microsoft.com/office/powerpoint/2010/main" val="3995845710"/>
-      </p:ext>
-    </p:extLst>
-  </p:cSld>
-  <p:clrMapOvr>
-    <a:masterClrMapping/>
-  </p:clrMapOvr>
-</p:sld>
-</file>
-
-<file path=ppt/slides/slide3.xml><?xml version="1.0" encoding="utf-8"?>
-<p:sld xmlns:a="http://schemas.openxmlformats.org/drawingml/2006/main" xmlns:r="http://schemas.openxmlformats.org/officeDocument/2006/relationships" xmlns:p="http://schemas.openxmlformats.org/presentationml/2006/main">
-  <p:cSld>
-    <p:spTree>
-      <p:nvGrpSpPr>
-        <p:cNvPr id="1" name=""/>
-        <p:cNvGrpSpPr/>
-        <p:nvPr/>
-      </p:nvGrpSpPr>
-      <p:grpSpPr>
-        <a:xfrm>
-          <a:off x="0" y="0"/>
-          <a:ext cx="0" cy="0"/>
-          <a:chOff x="0" y="0"/>
-          <a:chExt cx="0" cy="0"/>
-        </a:xfrm>
-      </p:grpSpPr>
-      <p:sp>
-        <p:nvSpPr>
-          <p:cNvPr id="4" name="Ellipse 3">
-            <a:extLst>
-              <a:ext uri="{FF2B5EF4-FFF2-40B4-BE49-F238E27FC236}">
-                <a16:creationId xmlns:a16="http://schemas.microsoft.com/office/drawing/2014/main" id="{5EDF3A2A-332F-408B-A002-2311173703FD}"/>
-              </a:ext>
-            </a:extLst>
-          </p:cNvPr>
-          <p:cNvSpPr/>
-          <p:nvPr/>
-        </p:nvSpPr>
-        <p:spPr>
-          <a:xfrm>
-            <a:off x="-1996440" y="-1386840"/>
-            <a:ext cx="5075431" cy="4428419"/>
-          </a:xfrm>
-          <a:prstGeom prst="ellipse">
-            <a:avLst/>
-          </a:prstGeom>
-          <a:solidFill>
-            <a:schemeClr val="bg1">
-              <a:lumMod val="95000"/>
-            </a:schemeClr>
-          </a:solidFill>
-          <a:ln>
-            <a:solidFill>
-              <a:schemeClr val="bg1"/>
-            </a:solidFill>
-          </a:ln>
-        </p:spPr>
-        <p:style>
-          <a:lnRef idx="2">
-            <a:schemeClr val="accent1">
-              <a:shade val="50000"/>
-            </a:schemeClr>
-          </a:lnRef>
-          <a:fillRef idx="1">
-            <a:schemeClr val="accent1"/>
-          </a:fillRef>
-          <a:effectRef idx="0">
-            <a:schemeClr val="accent1"/>
-          </a:effectRef>
-          <a:fontRef idx="minor">
-            <a:schemeClr val="lt1"/>
-          </a:fontRef>
-        </p:style>
-        <p:txBody>
-          <a:bodyPr rtlCol="0" anchor="ctr"/>
-          <a:lstStyle/>
-          <a:p>
-            <a:pPr algn="ctr"/>
-            <a:endParaRPr lang="fr-FR"/>
-          </a:p>
-        </p:txBody>
-      </p:sp>
-      <p:sp>
-        <p:nvSpPr>
-          <p:cNvPr id="2" name="Titre 1">
-            <a:extLst>
-              <a:ext uri="{FF2B5EF4-FFF2-40B4-BE49-F238E27FC236}">
                 <a16:creationId xmlns:a16="http://schemas.microsoft.com/office/drawing/2014/main" id="{2ABCAFBC-EBD9-47CA-A94B-12FF9999C884}"/>
               </a:ext>
             </a:extLst>
@@ -5994,331 +5814,6 @@
     <p:extLst>
       <p:ext uri="{BB962C8B-B14F-4D97-AF65-F5344CB8AC3E}">
         <p14:creationId xmlns:p14="http://schemas.microsoft.com/office/powerpoint/2010/main" val="70380920"/>
-      </p:ext>
-    </p:extLst>
-  </p:cSld>
-  <p:clrMapOvr>
-    <a:masterClrMapping/>
-  </p:clrMapOvr>
-</p:sld>
-</file>
-
-<file path=ppt/slides/slide4.xml><?xml version="1.0" encoding="utf-8"?>
-<p:sld xmlns:a="http://schemas.openxmlformats.org/drawingml/2006/main" xmlns:r="http://schemas.openxmlformats.org/officeDocument/2006/relationships" xmlns:p="http://schemas.openxmlformats.org/presentationml/2006/main">
-  <p:cSld>
-    <p:spTree>
-      <p:nvGrpSpPr>
-        <p:cNvPr id="1" name=""/>
-        <p:cNvGrpSpPr/>
-        <p:nvPr/>
-      </p:nvGrpSpPr>
-      <p:grpSpPr>
-        <a:xfrm>
-          <a:off x="0" y="0"/>
-          <a:ext cx="0" cy="0"/>
-          <a:chOff x="0" y="0"/>
-          <a:chExt cx="0" cy="0"/>
-        </a:xfrm>
-      </p:grpSpPr>
-      <p:sp>
-        <p:nvSpPr>
-          <p:cNvPr id="4" name="Ellipse 3">
-            <a:extLst>
-              <a:ext uri="{FF2B5EF4-FFF2-40B4-BE49-F238E27FC236}">
-                <a16:creationId xmlns:a16="http://schemas.microsoft.com/office/drawing/2014/main" id="{5EDF3A2A-332F-408B-A002-2311173703FD}"/>
-              </a:ext>
-            </a:extLst>
-          </p:cNvPr>
-          <p:cNvSpPr/>
-          <p:nvPr/>
-        </p:nvSpPr>
-        <p:spPr>
-          <a:xfrm>
-            <a:off x="-1996440" y="-1386840"/>
-            <a:ext cx="5075431" cy="4428419"/>
-          </a:xfrm>
-          <a:prstGeom prst="ellipse">
-            <a:avLst/>
-          </a:prstGeom>
-          <a:solidFill>
-            <a:schemeClr val="bg1">
-              <a:lumMod val="95000"/>
-            </a:schemeClr>
-          </a:solidFill>
-          <a:ln>
-            <a:solidFill>
-              <a:schemeClr val="bg1"/>
-            </a:solidFill>
-          </a:ln>
-        </p:spPr>
-        <p:style>
-          <a:lnRef idx="2">
-            <a:schemeClr val="accent1">
-              <a:shade val="50000"/>
-            </a:schemeClr>
-          </a:lnRef>
-          <a:fillRef idx="1">
-            <a:schemeClr val="accent1"/>
-          </a:fillRef>
-          <a:effectRef idx="0">
-            <a:schemeClr val="accent1"/>
-          </a:effectRef>
-          <a:fontRef idx="minor">
-            <a:schemeClr val="lt1"/>
-          </a:fontRef>
-        </p:style>
-        <p:txBody>
-          <a:bodyPr rtlCol="0" anchor="ctr"/>
-          <a:lstStyle/>
-          <a:p>
-            <a:pPr algn="ctr"/>
-            <a:endParaRPr lang="fr-FR"/>
-          </a:p>
-        </p:txBody>
-      </p:sp>
-      <p:sp>
-        <p:nvSpPr>
-          <p:cNvPr id="2" name="Titre 1">
-            <a:extLst>
-              <a:ext uri="{FF2B5EF4-FFF2-40B4-BE49-F238E27FC236}">
-                <a16:creationId xmlns:a16="http://schemas.microsoft.com/office/drawing/2014/main" id="{2ABCAFBC-EBD9-47CA-A94B-12FF9999C884}"/>
-              </a:ext>
-            </a:extLst>
-          </p:cNvPr>
-          <p:cNvSpPr>
-            <a:spLocks noGrp="1"/>
-          </p:cNvSpPr>
-          <p:nvPr>
-            <p:ph type="title"/>
-          </p:nvPr>
-        </p:nvSpPr>
-        <p:spPr/>
-        <p:txBody>
-          <a:bodyPr/>
-          <a:lstStyle/>
-          <a:p>
-            <a:r>
-              <a:rPr lang="fr-FR" dirty="0">
-                <a:latin typeface="Varela Round" panose="00000500000000000000" pitchFamily="2" charset="-79"/>
-                <a:cs typeface="Varela Round" panose="00000500000000000000" pitchFamily="2" charset="-79"/>
-              </a:rPr>
-              <a:t>Iconographie</a:t>
-            </a:r>
-          </a:p>
-        </p:txBody>
-      </p:sp>
-      <p:sp>
-        <p:nvSpPr>
-          <p:cNvPr id="3" name="Espace réservé du contenu 2">
-            <a:extLst>
-              <a:ext uri="{FF2B5EF4-FFF2-40B4-BE49-F238E27FC236}">
-                <a16:creationId xmlns:a16="http://schemas.microsoft.com/office/drawing/2014/main" id="{E0A89431-BF0C-4709-98A8-E88E6F5BFD95}"/>
-              </a:ext>
-            </a:extLst>
-          </p:cNvPr>
-          <p:cNvSpPr>
-            <a:spLocks noGrp="1"/>
-          </p:cNvSpPr>
-          <p:nvPr>
-            <p:ph idx="1"/>
-          </p:nvPr>
-        </p:nvSpPr>
-        <p:spPr/>
-        <p:txBody>
-          <a:bodyPr/>
-          <a:lstStyle/>
-          <a:p>
-            <a:r>
-              <a:rPr lang="fr-FR" dirty="0">
-                <a:latin typeface="Yantramanav" panose="02000000000000000000" pitchFamily="2" charset="0"/>
-                <a:cs typeface="Yantramanav" panose="02000000000000000000" pitchFamily="2" charset="0"/>
-              </a:rPr>
-              <a:t>Les métiers du web</a:t>
-            </a:r>
-          </a:p>
-          <a:p>
-            <a:r>
-              <a:rPr lang="fr-FR" dirty="0">
-                <a:latin typeface="Yantramanav" panose="02000000000000000000" pitchFamily="2" charset="0"/>
-                <a:cs typeface="Yantramanav" panose="02000000000000000000" pitchFamily="2" charset="0"/>
-              </a:rPr>
-              <a:t>Le numérique / Technologie </a:t>
-            </a:r>
-          </a:p>
-          <a:p>
-            <a:r>
-              <a:rPr lang="fr-FR" dirty="0">
-                <a:latin typeface="Yantramanav" panose="02000000000000000000" pitchFamily="2" charset="0"/>
-                <a:cs typeface="Yantramanav" panose="02000000000000000000" pitchFamily="2" charset="0"/>
-              </a:rPr>
-              <a:t>Le Partage</a:t>
-            </a:r>
-          </a:p>
-          <a:p>
-            <a:endParaRPr lang="fr-FR" dirty="0">
-              <a:latin typeface="Yantramanav" panose="02000000000000000000" pitchFamily="2" charset="0"/>
-              <a:cs typeface="Yantramanav" panose="02000000000000000000" pitchFamily="2" charset="0"/>
-            </a:endParaRPr>
-          </a:p>
-        </p:txBody>
-      </p:sp>
-      <p:pic>
-        <p:nvPicPr>
-          <p:cNvPr id="6" name="Image 5">
-            <a:extLst>
-              <a:ext uri="{FF2B5EF4-FFF2-40B4-BE49-F238E27FC236}">
-                <a16:creationId xmlns:a16="http://schemas.microsoft.com/office/drawing/2014/main" id="{9810E1C1-39A3-4C9A-9F9E-B9D6FD0D924D}"/>
-              </a:ext>
-            </a:extLst>
-          </p:cNvPr>
-          <p:cNvPicPr>
-            <a:picLocks noChangeAspect="1"/>
-          </p:cNvPicPr>
-          <p:nvPr/>
-        </p:nvPicPr>
-        <p:blipFill>
-          <a:blip r:embed="rId2">
-            <a:extLst>
-              <a:ext uri="{28A0092B-C50C-407E-A947-70E740481C1C}">
-                <a14:useLocalDpi xmlns:a14="http://schemas.microsoft.com/office/drawing/2010/main" val="0"/>
-              </a:ext>
-            </a:extLst>
-          </a:blip>
-          <a:stretch>
-            <a:fillRect/>
-          </a:stretch>
-        </p:blipFill>
-        <p:spPr>
-          <a:xfrm>
-            <a:off x="7924801" y="4001294"/>
-            <a:ext cx="4066309" cy="2710873"/>
-          </a:xfrm>
-          <a:prstGeom prst="roundRect">
-            <a:avLst>
-              <a:gd name="adj" fmla="val 8594"/>
-            </a:avLst>
-          </a:prstGeom>
-          <a:solidFill>
-            <a:srgbClr val="FFFFFF">
-              <a:shade val="85000"/>
-            </a:srgbClr>
-          </a:solidFill>
-          <a:ln>
-            <a:noFill/>
-          </a:ln>
-          <a:effectLst>
-            <a:reflection blurRad="12700" stA="38000" endPos="28000" dist="5000" dir="5400000" sy="-100000" algn="bl" rotWithShape="0"/>
-          </a:effectLst>
-        </p:spPr>
-      </p:pic>
-      <p:pic>
-        <p:nvPicPr>
-          <p:cNvPr id="8" name="Image 7">
-            <a:extLst>
-              <a:ext uri="{FF2B5EF4-FFF2-40B4-BE49-F238E27FC236}">
-                <a16:creationId xmlns:a16="http://schemas.microsoft.com/office/drawing/2014/main" id="{0D3EC4F6-8F53-4D2E-83CB-0D44891D7EC1}"/>
-              </a:ext>
-            </a:extLst>
-          </p:cNvPr>
-          <p:cNvPicPr>
-            <a:picLocks noChangeAspect="1"/>
-          </p:cNvPicPr>
-          <p:nvPr/>
-        </p:nvPicPr>
-        <p:blipFill>
-          <a:blip r:embed="rId3">
-            <a:extLst>
-              <a:ext uri="{28A0092B-C50C-407E-A947-70E740481C1C}">
-                <a14:useLocalDpi xmlns:a14="http://schemas.microsoft.com/office/drawing/2010/main" val="0"/>
-              </a:ext>
-            </a:extLst>
-          </a:blip>
-          <a:stretch>
-            <a:fillRect/>
-          </a:stretch>
-        </p:blipFill>
-        <p:spPr>
-          <a:xfrm>
-            <a:off x="4565298" y="4521954"/>
-            <a:ext cx="3061404" cy="1970921"/>
-          </a:xfrm>
-          <a:prstGeom prst="roundRect">
-            <a:avLst>
-              <a:gd name="adj" fmla="val 4167"/>
-            </a:avLst>
-          </a:prstGeom>
-          <a:solidFill>
-            <a:srgbClr val="FFFFFF"/>
-          </a:solidFill>
-          <a:ln w="76200" cap="sq">
-            <a:solidFill>
-              <a:srgbClr val="292929"/>
-            </a:solidFill>
-            <a:miter lim="800000"/>
-          </a:ln>
-          <a:effectLst>
-            <a:reflection blurRad="12700" stA="28000" endPos="28000" dist="5000" dir="5400000" sy="-100000" algn="bl" rotWithShape="0"/>
-          </a:effectLst>
-          <a:scene3d>
-            <a:camera prst="orthographicFront"/>
-            <a:lightRig rig="threePt" dir="t">
-              <a:rot lat="0" lon="0" rev="2700000"/>
-            </a:lightRig>
-          </a:scene3d>
-          <a:sp3d>
-            <a:bevelT h="38100"/>
-            <a:contourClr>
-              <a:srgbClr val="C0C0C0"/>
-            </a:contourClr>
-          </a:sp3d>
-        </p:spPr>
-      </p:pic>
-      <p:pic>
-        <p:nvPicPr>
-          <p:cNvPr id="10" name="Image 9">
-            <a:extLst>
-              <a:ext uri="{FF2B5EF4-FFF2-40B4-BE49-F238E27FC236}">
-                <a16:creationId xmlns:a16="http://schemas.microsoft.com/office/drawing/2014/main" id="{61E30A59-5483-43DD-BE0F-4586FFF35C4D}"/>
-              </a:ext>
-            </a:extLst>
-          </p:cNvPr>
-          <p:cNvPicPr>
-            <a:picLocks noChangeAspect="1"/>
-          </p:cNvPicPr>
-          <p:nvPr/>
-        </p:nvPicPr>
-        <p:blipFill>
-          <a:blip r:embed="rId4">
-            <a:extLst>
-              <a:ext uri="{28A0092B-C50C-407E-A947-70E740481C1C}">
-                <a14:useLocalDpi xmlns:a14="http://schemas.microsoft.com/office/drawing/2010/main" val="0"/>
-              </a:ext>
-            </a:extLst>
-          </a:blip>
-          <a:stretch>
-            <a:fillRect/>
-          </a:stretch>
-        </p:blipFill>
-        <p:spPr>
-          <a:xfrm>
-            <a:off x="5913631" y="1973965"/>
-            <a:ext cx="3061403" cy="2027329"/>
-          </a:xfrm>
-          <a:prstGeom prst="rect">
-            <a:avLst/>
-          </a:prstGeom>
-          <a:ln>
-            <a:noFill/>
-          </a:ln>
-          <a:effectLst>
-            <a:softEdge rad="112500"/>
-          </a:effectLst>
-        </p:spPr>
-      </p:pic>
-    </p:spTree>
-    <p:extLst>
-      <p:ext uri="{BB962C8B-B14F-4D97-AF65-F5344CB8AC3E}">
-        <p14:creationId xmlns:p14="http://schemas.microsoft.com/office/powerpoint/2010/main" val="1985391249"/>
       </p:ext>
     </p:extLst>
   </p:cSld>
